--- a/Entrega_1/00 - REPORTE/REPORTE.pptx
+++ b/Entrega_1/00 - REPORTE/REPORTE.pptx
@@ -29,33 +29,33 @@
   <p:notesSz cx="6858000" cy="9144000"/>
   <p:embeddedFontLst>
     <p:embeddedFont>
-      <p:font typeface="Arial Black" panose="020B0A04020102020204" pitchFamily="34" charset="0"/>
+      <p:font typeface="Arial Black" panose="020B0604020202020204" pitchFamily="34" charset="0"/>
       <p:bold r:id="rId19"/>
     </p:embeddedFont>
     <p:embeddedFont>
-      <p:font typeface="Arial Rounded MT Bold" panose="020F0704030504030204" pitchFamily="34" charset="0"/>
+      <p:font typeface="Arial Rounded MT Bold" panose="020F0704030504030204" pitchFamily="34" charset="77"/>
       <p:regular r:id="rId20"/>
     </p:embeddedFont>
     <p:embeddedFont>
-      <p:font typeface="Didact Gothic" panose="00000500000000000000" pitchFamily="2" charset="0"/>
+      <p:font typeface="Didact Gothic" pitchFamily="2" charset="0"/>
       <p:regular r:id="rId21"/>
     </p:embeddedFont>
     <p:embeddedFont>
-      <p:font typeface="Libre Franklin" pitchFamily="2" charset="0"/>
+      <p:font typeface="Libre Franklin" pitchFamily="2" charset="77"/>
       <p:regular r:id="rId22"/>
       <p:bold r:id="rId23"/>
       <p:italic r:id="rId24"/>
       <p:boldItalic r:id="rId25"/>
     </p:embeddedFont>
     <p:embeddedFont>
-      <p:font typeface="Poppins" panose="00000500000000000000" pitchFamily="2" charset="0"/>
+      <p:font typeface="Poppins" pitchFamily="2" charset="77"/>
       <p:regular r:id="rId26"/>
       <p:bold r:id="rId27"/>
       <p:italic r:id="rId28"/>
       <p:boldItalic r:id="rId29"/>
     </p:embeddedFont>
     <p:embeddedFont>
-      <p:font typeface="Raleway" pitchFamily="2" charset="0"/>
+      <p:font typeface="Raleway" pitchFamily="2" charset="77"/>
       <p:regular r:id="rId30"/>
       <p:bold r:id="rId31"/>
       <p:italic r:id="rId32"/>
@@ -2444,9 +2444,9 @@
     <dgm:cxn modelId="{C1FA232B-B25A-4818-9BCD-DEBE45316E2F}" srcId="{D3DB2985-286F-4E1B-A3EF-B67DCD1C08F6}" destId="{CBFF6C33-7733-4A2E-9F4F-71A5C208EAE8}" srcOrd="3" destOrd="0" parTransId="{6FCC6521-4EFE-4241-A97E-7E91A23E183F}" sibTransId="{05CE11E1-ACF9-4DAF-930B-ADCD600844E6}"/>
     <dgm:cxn modelId="{18335230-78A8-45BC-9C99-E6CC84F92234}" type="presOf" srcId="{CBFF6C33-7733-4A2E-9F4F-71A5C208EAE8}" destId="{CCCE771C-F880-4686-A4B6-89572DC603BC}" srcOrd="1" destOrd="4" presId="urn:microsoft.com/office/officeart/2005/8/layout/vList4"/>
     <dgm:cxn modelId="{8782CE40-8DD3-4ADB-A873-E359E3EA8147}" type="presOf" srcId="{249D8C40-36DB-4241-9967-FD998032C2DA}" destId="{9368D843-76C1-42B0-834B-2DA28FCB0771}" srcOrd="0" destOrd="2" presId="urn:microsoft.com/office/officeart/2005/8/layout/vList4"/>
-    <dgm:cxn modelId="{DF5B256E-1BCA-468C-AF06-39814118FCEF}" type="presOf" srcId="{B0A54B65-E829-4553-8B45-B4EBDAF3C233}" destId="{B12AE6C0-B4ED-4A08-98AA-6732B6DC385E}" srcOrd="0" destOrd="0" presId="urn:microsoft.com/office/officeart/2005/8/layout/vList4"/>
     <dgm:cxn modelId="{9974744E-C0B1-4F73-B4ED-7510389F128C}" type="presOf" srcId="{7F32E596-06EC-48C3-A09C-04CA91FC3646}" destId="{9368D843-76C1-42B0-834B-2DA28FCB0771}" srcOrd="0" destOrd="1" presId="urn:microsoft.com/office/officeart/2005/8/layout/vList4"/>
     <dgm:cxn modelId="{4141D94E-2E86-434B-BC2F-125887D42DA7}" type="presOf" srcId="{CBFF6C33-7733-4A2E-9F4F-71A5C208EAE8}" destId="{9368D843-76C1-42B0-834B-2DA28FCB0771}" srcOrd="0" destOrd="4" presId="urn:microsoft.com/office/officeart/2005/8/layout/vList4"/>
+    <dgm:cxn modelId="{DF5B256E-1BCA-468C-AF06-39814118FCEF}" type="presOf" srcId="{B0A54B65-E829-4553-8B45-B4EBDAF3C233}" destId="{B12AE6C0-B4ED-4A08-98AA-6732B6DC385E}" srcOrd="0" destOrd="0" presId="urn:microsoft.com/office/officeart/2005/8/layout/vList4"/>
     <dgm:cxn modelId="{2FF3EB71-C7F5-4619-AB74-5943DE39CC10}" srcId="{E0DBD592-C900-4D5D-A79A-93A58E8DA172}" destId="{C9F99139-B66D-4219-861A-3EA127D493C0}" srcOrd="0" destOrd="0" parTransId="{1C880A37-22BC-4FD9-8955-F47618D81BCC}" sibTransId="{2ABCB300-CCE9-44E7-999D-3B03628596E1}"/>
     <dgm:cxn modelId="{CA7E1976-125C-4E25-B0E9-D36AE1BECE4E}" type="presOf" srcId="{249D8C40-36DB-4241-9967-FD998032C2DA}" destId="{CCCE771C-F880-4686-A4B6-89572DC603BC}" srcOrd="1" destOrd="2" presId="urn:microsoft.com/office/officeart/2005/8/layout/vList4"/>
     <dgm:cxn modelId="{16458B7B-01D5-46EA-95CB-21064FA40DA3}" type="presOf" srcId="{B9802D42-76B7-4AE8-9963-A689582E6B35}" destId="{1EA42E4A-7A77-461B-A3EF-ED6EF71F796A}" srcOrd="1" destOrd="0" presId="urn:microsoft.com/office/officeart/2005/8/layout/vList4"/>
@@ -14997,17 +14997,147 @@
             <a:pPr lvl="0"/>
             <a:r>
               <a:rPr lang="es-ES" dirty="0"/>
-              <a:t>PRIMEROS MODELOS – KNN y </a:t>
+              <a:t>PRIMEROS MODELOS</a:t>
+            </a:r>
+            <a:br>
+              <a:rPr lang="es-ES" dirty="0"/>
+            </a:br>
+            <a:r>
+              <a:rPr lang="es-ES" dirty="0"/>
+              <a:t>MODELO 1: K-</a:t>
             </a:r>
             <a:r>
               <a:rPr lang="es-ES" dirty="0" err="1"/>
-              <a:t>Naive</a:t>
+              <a:t>Nearest</a:t>
             </a:r>
             <a:r>
               <a:rPr lang="es-ES" dirty="0"/>
-              <a:t> Bayes 1/2</a:t>
+              <a:t> </a:t>
+            </a:r>
+            <a:r>
+              <a:rPr lang="es-ES" dirty="0" err="1"/>
+              <a:t>Neighors</a:t>
             </a:r>
             <a:endParaRPr dirty="0"/>
+          </a:p>
+        </p:txBody>
+      </p:sp>
+      <p:sp>
+        <p:nvSpPr>
+          <p:cNvPr id="2" name="TextBox 1">
+            <a:extLst>
+              <a:ext uri="{FF2B5EF4-FFF2-40B4-BE49-F238E27FC236}">
+                <a16:creationId xmlns:a16="http://schemas.microsoft.com/office/drawing/2014/main" id="{4CBB7A73-8E27-6DED-3278-49E64CF96E14}"/>
+              </a:ext>
+            </a:extLst>
+          </p:cNvPr>
+          <p:cNvSpPr txBox="1"/>
+          <p:nvPr/>
+        </p:nvSpPr>
+        <p:spPr>
+          <a:xfrm>
+            <a:off x="412190" y="1663809"/>
+            <a:ext cx="4572000" cy="1169551"/>
+          </a:xfrm>
+          <a:prstGeom prst="rect">
+            <a:avLst/>
+          </a:prstGeom>
+          <a:noFill/>
+        </p:spPr>
+        <p:txBody>
+          <a:bodyPr wrap="square">
+            <a:spAutoFit/>
+          </a:bodyPr>
+          <a:lstStyle/>
+          <a:p>
+            <a:pPr marL="285750" indent="-285750">
+              <a:buFont typeface="Arial" panose="020B0604020202020204" pitchFamily="34" charset="0"/>
+              <a:buChar char="•"/>
+            </a:pPr>
+            <a:r>
+              <a:rPr lang="en-GB" b="1" dirty="0" err="1"/>
+              <a:t>Estrategia</a:t>
+            </a:r>
+            <a:r>
+              <a:rPr lang="en-GB" b="1" dirty="0"/>
+              <a:t>:</a:t>
+            </a:r>
+            <a:r>
+              <a:rPr lang="en-GB" dirty="0"/>
+              <a:t> </a:t>
+            </a:r>
+            <a:r>
+              <a:rPr lang="en-GB" dirty="0" err="1"/>
+              <a:t>optimización</a:t>
+            </a:r>
+            <a:r>
+              <a:rPr lang="en-GB" dirty="0"/>
+              <a:t> del </a:t>
+            </a:r>
+            <a:r>
+              <a:rPr lang="en-GB" dirty="0" err="1"/>
+              <a:t>número</a:t>
+            </a:r>
+            <a:r>
+              <a:rPr lang="en-GB" dirty="0"/>
+              <a:t> de </a:t>
+            </a:r>
+            <a:r>
+              <a:rPr lang="en-GB" dirty="0" err="1"/>
+              <a:t>vecinos</a:t>
+            </a:r>
+            <a:r>
+              <a:rPr lang="en-GB" dirty="0"/>
+              <a:t> k=9 con </a:t>
+            </a:r>
+            <a:r>
+              <a:rPr lang="en-GB" b="1" dirty="0" err="1"/>
+              <a:t>validación</a:t>
+            </a:r>
+            <a:r>
+              <a:rPr lang="en-GB" b="1" dirty="0"/>
+              <a:t> </a:t>
+            </a:r>
+            <a:r>
+              <a:rPr lang="en-GB" b="1" dirty="0" err="1"/>
+              <a:t>cruzada</a:t>
+            </a:r>
+            <a:r>
+              <a:rPr lang="en-GB" dirty="0"/>
+              <a:t>.</a:t>
+            </a:r>
+          </a:p>
+          <a:p>
+            <a:endParaRPr lang="en-GB" b="1" dirty="0"/>
+          </a:p>
+          <a:p>
+            <a:pPr marL="285750" indent="-285750">
+              <a:buFont typeface="Arial" panose="020B0604020202020204" pitchFamily="34" charset="0"/>
+              <a:buChar char="•"/>
+            </a:pPr>
+            <a:r>
+              <a:rPr lang="en-GB" dirty="0" err="1"/>
+              <a:t>Transformación</a:t>
+            </a:r>
+            <a:r>
+              <a:rPr lang="en-GB" dirty="0"/>
+              <a:t> de variables </a:t>
+            </a:r>
+            <a:r>
+              <a:rPr lang="en-GB" dirty="0" err="1"/>
+              <a:t>mediante</a:t>
+            </a:r>
+            <a:r>
+              <a:rPr lang="en-GB" dirty="0"/>
+              <a:t> </a:t>
+            </a:r>
+            <a:r>
+              <a:rPr lang="en-GB" b="1" dirty="0"/>
+              <a:t>FAMD</a:t>
+            </a:r>
+          </a:p>
+          <a:p>
+            <a:endParaRPr lang="en-GB" b="1" dirty="0"/>
           </a:p>
         </p:txBody>
       </p:sp>
@@ -15081,7 +15211,7 @@
             <a:pPr lvl="0"/>
             <a:r>
               <a:rPr lang="es-ES" dirty="0"/>
-              <a:t>PRIMEROS MODELOS – KNN y </a:t>
+              <a:t>MODELO 2: Clasificador </a:t>
             </a:r>
             <a:r>
               <a:rPr lang="es-ES" dirty="0" err="1"/>
@@ -15089,9 +15219,500 @@
             </a:r>
             <a:r>
               <a:rPr lang="es-ES" dirty="0"/>
-              <a:t> Bayes 2/2</a:t>
+              <a:t> Bayes</a:t>
             </a:r>
             <a:endParaRPr dirty="0"/>
+          </a:p>
+        </p:txBody>
+      </p:sp>
+      <p:sp>
+        <p:nvSpPr>
+          <p:cNvPr id="5" name="TextBox 4">
+            <a:extLst>
+              <a:ext uri="{FF2B5EF4-FFF2-40B4-BE49-F238E27FC236}">
+                <a16:creationId xmlns:a16="http://schemas.microsoft.com/office/drawing/2014/main" id="{786CA551-B91B-7B24-6F0F-925EE096618D}"/>
+              </a:ext>
+            </a:extLst>
+          </p:cNvPr>
+          <p:cNvSpPr txBox="1"/>
+          <p:nvPr/>
+        </p:nvSpPr>
+        <p:spPr>
+          <a:xfrm>
+            <a:off x="258185" y="1346938"/>
+            <a:ext cx="4572000" cy="2246769"/>
+          </a:xfrm>
+          <a:prstGeom prst="rect">
+            <a:avLst/>
+          </a:prstGeom>
+          <a:noFill/>
+        </p:spPr>
+        <p:txBody>
+          <a:bodyPr wrap="square">
+            <a:spAutoFit/>
+          </a:bodyPr>
+          <a:lstStyle/>
+          <a:p>
+            <a:pPr marL="285750" indent="-285750">
+              <a:buFont typeface="Arial" panose="020B0604020202020204" pitchFamily="34" charset="0"/>
+              <a:buChar char="•"/>
+            </a:pPr>
+            <a:r>
+              <a:rPr lang="en-GB" b="1" dirty="0" err="1"/>
+              <a:t>Estrategia</a:t>
+            </a:r>
+            <a:r>
+              <a:rPr lang="en-GB" b="1" dirty="0"/>
+              <a:t>: </a:t>
+            </a:r>
+            <a:r>
+              <a:rPr lang="en-GB" dirty="0" err="1"/>
+              <a:t>validación</a:t>
+            </a:r>
+            <a:r>
+              <a:rPr lang="en-GB" dirty="0"/>
+              <a:t> </a:t>
+            </a:r>
+            <a:r>
+              <a:rPr lang="en-GB" dirty="0" err="1"/>
+              <a:t>cruzada</a:t>
+            </a:r>
+            <a:r>
+              <a:rPr lang="en-GB" dirty="0"/>
+              <a:t> </a:t>
+            </a:r>
+            <a:r>
+              <a:rPr lang="en-GB" dirty="0" err="1"/>
+              <a:t>repetida</a:t>
+            </a:r>
+            <a:r>
+              <a:rPr lang="en-GB" dirty="0"/>
+              <a:t> y </a:t>
+            </a:r>
+            <a:r>
+              <a:rPr lang="en-GB" dirty="0" err="1"/>
+              <a:t>balanceo</a:t>
+            </a:r>
+            <a:r>
+              <a:rPr lang="en-GB" dirty="0"/>
+              <a:t> de </a:t>
+            </a:r>
+            <a:r>
+              <a:rPr lang="en-GB" dirty="0" err="1"/>
+              <a:t>clases</a:t>
+            </a:r>
+            <a:r>
+              <a:rPr lang="en-GB" dirty="0"/>
+              <a:t>.</a:t>
+            </a:r>
+          </a:p>
+          <a:p>
+            <a:endParaRPr lang="en-GB" dirty="0"/>
+          </a:p>
+          <a:p>
+            <a:pPr marL="285750" indent="-285750">
+              <a:buFont typeface="Arial" panose="020B0604020202020204" pitchFamily="34" charset="0"/>
+              <a:buChar char="•"/>
+            </a:pPr>
+            <a:r>
+              <a:rPr lang="en-GB" dirty="0" err="1">
+                <a:solidFill>
+                  <a:schemeClr val="tx1"/>
+                </a:solidFill>
+              </a:rPr>
+              <a:t>Reducción</a:t>
+            </a:r>
+            <a:r>
+              <a:rPr lang="en-GB" dirty="0">
+                <a:solidFill>
+                  <a:schemeClr val="tx1"/>
+                </a:solidFill>
+              </a:rPr>
+              <a:t> de </a:t>
+            </a:r>
+            <a:r>
+              <a:rPr lang="en-GB" dirty="0" err="1">
+                <a:solidFill>
+                  <a:schemeClr val="tx1"/>
+                </a:solidFill>
+              </a:rPr>
+              <a:t>dimensionalidad</a:t>
+            </a:r>
+            <a:r>
+              <a:rPr lang="en-GB" dirty="0">
+                <a:solidFill>
+                  <a:schemeClr val="tx1"/>
+                </a:solidFill>
+              </a:rPr>
+              <a:t> </a:t>
+            </a:r>
+            <a:r>
+              <a:rPr lang="en-GB" dirty="0" err="1">
+                <a:solidFill>
+                  <a:schemeClr val="tx1"/>
+                </a:solidFill>
+              </a:rPr>
+              <a:t>por</a:t>
+            </a:r>
+            <a:r>
+              <a:rPr lang="en-GB" dirty="0">
+                <a:solidFill>
+                  <a:schemeClr val="tx1"/>
+                </a:solidFill>
+              </a:rPr>
+              <a:t> </a:t>
+            </a:r>
+            <a:r>
+              <a:rPr lang="en-GB" dirty="0" err="1">
+                <a:solidFill>
+                  <a:schemeClr val="tx1"/>
+                </a:solidFill>
+              </a:rPr>
+              <a:t>selección</a:t>
+            </a:r>
+            <a:r>
+              <a:rPr lang="en-GB" dirty="0">
+                <a:solidFill>
+                  <a:schemeClr val="tx1"/>
+                </a:solidFill>
+              </a:rPr>
+              <a:t> </a:t>
+            </a:r>
+            <a:r>
+              <a:rPr lang="en-GB" dirty="0" err="1">
+                <a:solidFill>
+                  <a:schemeClr val="tx1"/>
+                </a:solidFill>
+              </a:rPr>
+              <a:t>según</a:t>
+            </a:r>
+            <a:r>
+              <a:rPr lang="en-GB" dirty="0">
+                <a:solidFill>
+                  <a:schemeClr val="tx1"/>
+                </a:solidFill>
+              </a:rPr>
+              <a:t> </a:t>
+            </a:r>
+            <a:r>
+              <a:rPr lang="en-GB" b="1" dirty="0" err="1">
+                <a:solidFill>
+                  <a:schemeClr val="tx1"/>
+                </a:solidFill>
+              </a:rPr>
+              <a:t>relevancia</a:t>
+            </a:r>
+            <a:r>
+              <a:rPr lang="en-GB" b="1" dirty="0">
+                <a:solidFill>
+                  <a:schemeClr val="tx1"/>
+                </a:solidFill>
+              </a:rPr>
+              <a:t> de </a:t>
+            </a:r>
+            <a:r>
+              <a:rPr lang="en-GB" b="1" dirty="0" err="1">
+                <a:solidFill>
+                  <a:schemeClr val="tx1"/>
+                </a:solidFill>
+              </a:rPr>
+              <a:t>atributos</a:t>
+            </a:r>
+            <a:r>
+              <a:rPr lang="en-GB" dirty="0">
+                <a:solidFill>
+                  <a:schemeClr val="tx1"/>
+                </a:solidFill>
+              </a:rPr>
+              <a:t>.</a:t>
+            </a:r>
+          </a:p>
+          <a:p>
+            <a:endParaRPr lang="en-GB" dirty="0">
+              <a:solidFill>
+                <a:schemeClr val="tx1"/>
+              </a:solidFill>
+            </a:endParaRPr>
+          </a:p>
+          <a:p>
+            <a:pPr marL="285750" indent="-285750">
+              <a:buFont typeface="Arial" panose="020B0604020202020204" pitchFamily="34" charset="0"/>
+              <a:buChar char="•"/>
+            </a:pPr>
+            <a:r>
+              <a:rPr lang="en-GB" dirty="0" err="1">
+                <a:solidFill>
+                  <a:schemeClr val="tx1"/>
+                </a:solidFill>
+              </a:rPr>
+              <a:t>Predictoras</a:t>
+            </a:r>
+            <a:r>
+              <a:rPr lang="en-GB" dirty="0">
+                <a:solidFill>
+                  <a:schemeClr val="tx1"/>
+                </a:solidFill>
+              </a:rPr>
+              <a:t> </a:t>
+            </a:r>
+            <a:r>
+              <a:rPr lang="en-GB" dirty="0" err="1">
+                <a:solidFill>
+                  <a:schemeClr val="tx1"/>
+                </a:solidFill>
+              </a:rPr>
+              <a:t>participantes</a:t>
+            </a:r>
+            <a:r>
+              <a:rPr lang="en-GB" dirty="0">
+                <a:solidFill>
+                  <a:schemeClr val="tx1"/>
+                </a:solidFill>
+              </a:rPr>
+              <a:t>: "Geography”, "Gender”, "</a:t>
+            </a:r>
+            <a:r>
+              <a:rPr lang="en-GB" dirty="0" err="1">
+                <a:solidFill>
+                  <a:schemeClr val="tx1"/>
+                </a:solidFill>
+              </a:rPr>
+              <a:t>IsActiveMember</a:t>
+            </a:r>
+            <a:r>
+              <a:rPr lang="en-GB" dirty="0">
+                <a:solidFill>
+                  <a:schemeClr val="tx1"/>
+                </a:solidFill>
+              </a:rPr>
+              <a:t>”, "</a:t>
+            </a:r>
+            <a:r>
+              <a:rPr lang="en-GB" dirty="0" err="1">
+                <a:solidFill>
+                  <a:schemeClr val="tx1"/>
+                </a:solidFill>
+              </a:rPr>
+              <a:t>NumOfProducts_grupo</a:t>
+            </a:r>
+            <a:r>
+              <a:rPr lang="en-GB" dirty="0">
+                <a:solidFill>
+                  <a:schemeClr val="tx1"/>
+                </a:solidFill>
+              </a:rPr>
+              <a:t>”, "Age"            "Balance”.</a:t>
+            </a:r>
+          </a:p>
+          <a:p>
+            <a:endParaRPr lang="en-GB" dirty="0">
+              <a:solidFill>
+                <a:schemeClr val="tx1"/>
+              </a:solidFill>
+            </a:endParaRPr>
+          </a:p>
+        </p:txBody>
+      </p:sp>
+      <p:pic>
+        <p:nvPicPr>
+          <p:cNvPr id="8" name="Picture 7">
+            <a:extLst>
+              <a:ext uri="{FF2B5EF4-FFF2-40B4-BE49-F238E27FC236}">
+                <a16:creationId xmlns:a16="http://schemas.microsoft.com/office/drawing/2014/main" id="{CC46BCDD-9A79-E182-E4F0-F8D75C3367C7}"/>
+              </a:ext>
+            </a:extLst>
+          </p:cNvPr>
+          <p:cNvPicPr>
+            <a:picLocks noChangeAspect="1"/>
+          </p:cNvPicPr>
+          <p:nvPr/>
+        </p:nvPicPr>
+        <p:blipFill>
+          <a:blip r:embed="rId3"/>
+          <a:stretch>
+            <a:fillRect/>
+          </a:stretch>
+        </p:blipFill>
+        <p:spPr>
+          <a:xfrm>
+            <a:off x="680422" y="3995997"/>
+            <a:ext cx="7772400" cy="712853"/>
+          </a:xfrm>
+          <a:prstGeom prst="rect">
+            <a:avLst/>
+          </a:prstGeom>
+        </p:spPr>
+      </p:pic>
+      <p:sp>
+        <p:nvSpPr>
+          <p:cNvPr id="9" name="TextBox 8">
+            <a:extLst>
+              <a:ext uri="{FF2B5EF4-FFF2-40B4-BE49-F238E27FC236}">
+                <a16:creationId xmlns:a16="http://schemas.microsoft.com/office/drawing/2014/main" id="{7B3A1467-6A88-9633-FDEE-F929D925F9D7}"/>
+              </a:ext>
+            </a:extLst>
+          </p:cNvPr>
+          <p:cNvSpPr txBox="1"/>
+          <p:nvPr/>
+        </p:nvSpPr>
+        <p:spPr>
+          <a:xfrm>
+            <a:off x="3894931" y="3641078"/>
+            <a:ext cx="1060383" cy="523220"/>
+          </a:xfrm>
+          <a:prstGeom prst="rect">
+            <a:avLst/>
+          </a:prstGeom>
+          <a:noFill/>
+        </p:spPr>
+        <p:txBody>
+          <a:bodyPr wrap="square">
+            <a:spAutoFit/>
+          </a:bodyPr>
+          <a:lstStyle/>
+          <a:p>
+            <a:pPr marL="285750" indent="-285750">
+              <a:buFont typeface="Arial" panose="020B0604020202020204" pitchFamily="34" charset="0"/>
+              <a:buChar char="•"/>
+            </a:pPr>
+            <a:r>
+              <a:rPr lang="en-GB" b="1" dirty="0"/>
+              <a:t>KPIs:</a:t>
+            </a:r>
+            <a:endParaRPr lang="en-GB" dirty="0">
+              <a:solidFill>
+                <a:schemeClr val="tx1"/>
+              </a:solidFill>
+            </a:endParaRPr>
+          </a:p>
+          <a:p>
+            <a:endParaRPr lang="en-GB" dirty="0">
+              <a:solidFill>
+                <a:schemeClr val="tx1"/>
+              </a:solidFill>
+            </a:endParaRPr>
+          </a:p>
+        </p:txBody>
+      </p:sp>
+      <p:pic>
+        <p:nvPicPr>
+          <p:cNvPr id="13" name="Picture 12" descr="A person with a churn&#10;&#10;Description automatically generated with medium confidence">
+            <a:extLst>
+              <a:ext uri="{FF2B5EF4-FFF2-40B4-BE49-F238E27FC236}">
+                <a16:creationId xmlns:a16="http://schemas.microsoft.com/office/drawing/2014/main" id="{0F5BE09C-8D5B-A831-CCBC-B58BB3536016}"/>
+              </a:ext>
+            </a:extLst>
+          </p:cNvPr>
+          <p:cNvPicPr>
+            <a:picLocks noChangeAspect="1"/>
+          </p:cNvPicPr>
+          <p:nvPr/>
+        </p:nvPicPr>
+        <p:blipFill>
+          <a:blip r:embed="rId4"/>
+          <a:stretch>
+            <a:fillRect/>
+          </a:stretch>
+        </p:blipFill>
+        <p:spPr>
+          <a:xfrm>
+            <a:off x="5178496" y="1300006"/>
+            <a:ext cx="3274326" cy="1170316"/>
+          </a:xfrm>
+          <a:prstGeom prst="rect">
+            <a:avLst/>
+          </a:prstGeom>
+        </p:spPr>
+      </p:pic>
+      <p:sp>
+        <p:nvSpPr>
+          <p:cNvPr id="14" name="TextBox 13">
+            <a:extLst>
+              <a:ext uri="{FF2B5EF4-FFF2-40B4-BE49-F238E27FC236}">
+                <a16:creationId xmlns:a16="http://schemas.microsoft.com/office/drawing/2014/main" id="{B15D0492-8CAF-7CDB-665F-22045C4E76F5}"/>
+              </a:ext>
+            </a:extLst>
+          </p:cNvPr>
+          <p:cNvSpPr txBox="1"/>
+          <p:nvPr/>
+        </p:nvSpPr>
+        <p:spPr>
+          <a:xfrm>
+            <a:off x="5178496" y="2829525"/>
+            <a:ext cx="3106461" cy="738664"/>
+          </a:xfrm>
+          <a:prstGeom prst="rect">
+            <a:avLst/>
+          </a:prstGeom>
+          <a:noFill/>
+        </p:spPr>
+        <p:txBody>
+          <a:bodyPr wrap="square">
+            <a:spAutoFit/>
+          </a:bodyPr>
+          <a:lstStyle/>
+          <a:p>
+            <a:pPr marL="285750" indent="-285750">
+              <a:buFont typeface="Arial" panose="020B0604020202020204" pitchFamily="34" charset="0"/>
+              <a:buChar char="•"/>
+            </a:pPr>
+            <a:r>
+              <a:rPr lang="en-GB" dirty="0"/>
+              <a:t>El </a:t>
+            </a:r>
+            <a:r>
+              <a:rPr lang="en-GB" dirty="0" err="1"/>
+              <a:t>modelo</a:t>
+            </a:r>
+            <a:r>
+              <a:rPr lang="en-GB" dirty="0"/>
+              <a:t> </a:t>
+            </a:r>
+            <a:r>
+              <a:rPr lang="en-GB" dirty="0" err="1"/>
+              <a:t>detecta</a:t>
+            </a:r>
+            <a:r>
+              <a:rPr lang="en-GB" dirty="0"/>
+              <a:t> un 67% de </a:t>
+            </a:r>
+            <a:r>
+              <a:rPr lang="en-GB" dirty="0" err="1"/>
+              <a:t>los</a:t>
+            </a:r>
+            <a:r>
+              <a:rPr lang="en-GB" dirty="0"/>
+              <a:t> </a:t>
+            </a:r>
+            <a:r>
+              <a:rPr lang="en-GB" dirty="0" err="1"/>
+              <a:t>casos</a:t>
+            </a:r>
+            <a:r>
+              <a:rPr lang="en-GB" dirty="0"/>
+              <a:t> que </a:t>
+            </a:r>
+            <a:r>
+              <a:rPr lang="en-GB" dirty="0" err="1"/>
+              <a:t>abandonan</a:t>
+            </a:r>
+            <a:r>
+              <a:rPr lang="en-GB" dirty="0"/>
+              <a:t> la </a:t>
+            </a:r>
+            <a:r>
+              <a:rPr lang="en-GB" dirty="0" err="1"/>
+              <a:t>entidad</a:t>
+            </a:r>
+            <a:r>
+              <a:rPr lang="en-GB" dirty="0"/>
+              <a:t> </a:t>
+            </a:r>
+            <a:r>
+              <a:rPr lang="en-GB" dirty="0" err="1"/>
+              <a:t>bancaria</a:t>
+            </a:r>
+            <a:endParaRPr lang="en-GB" dirty="0"/>
           </a:p>
         </p:txBody>
       </p:sp>

--- a/Entrega_1/00 - REPORTE/REPORTE.pptx
+++ b/Entrega_1/00 - REPORTE/REPORTE.pptx
@@ -5,7 +5,7 @@
     <p:sldMasterId id="2147483665" r:id="rId1"/>
   </p:sldMasterIdLst>
   <p:notesMasterIdLst>
-    <p:notesMasterId r:id="rId18"/>
+    <p:notesMasterId r:id="rId17"/>
   </p:notesMasterIdLst>
   <p:sldIdLst>
     <p:sldId id="256" r:id="rId2"/>
@@ -21,41 +21,44 @@
     <p:sldId id="279" r:id="rId12"/>
     <p:sldId id="280" r:id="rId13"/>
     <p:sldId id="281" r:id="rId14"/>
-    <p:sldId id="282" r:id="rId15"/>
-    <p:sldId id="283" r:id="rId16"/>
-    <p:sldId id="284" r:id="rId17"/>
+    <p:sldId id="285" r:id="rId15"/>
+    <p:sldId id="284" r:id="rId16"/>
   </p:sldIdLst>
   <p:sldSz cx="9144000" cy="5143500" type="screen16x9"/>
   <p:notesSz cx="6858000" cy="9144000"/>
   <p:embeddedFontLst>
     <p:embeddedFont>
-      <p:font typeface="Arial Black" panose="020B0604020202020204" pitchFamily="34" charset="0"/>
-      <p:bold r:id="rId19"/>
+      <p:font typeface="Arial Black" panose="020B0A04020102020204" pitchFamily="34" charset="0"/>
+      <p:bold r:id="rId18"/>
     </p:embeddedFont>
     <p:embeddedFont>
-      <p:font typeface="Arial Rounded MT Bold" panose="020F0704030504030204" pitchFamily="34" charset="77"/>
+      <p:font typeface="Arial Rounded MT Bold" panose="020F0704030504030204" pitchFamily="34" charset="0"/>
+      <p:regular r:id="rId19"/>
+    </p:embeddedFont>
+    <p:embeddedFont>
+      <p:font typeface="Didact Gothic" panose="00000500000000000000" pitchFamily="2" charset="0"/>
       <p:regular r:id="rId20"/>
     </p:embeddedFont>
     <p:embeddedFont>
-      <p:font typeface="Didact Gothic" pitchFamily="2" charset="0"/>
+      <p:font typeface="Libre Franklin" pitchFamily="2" charset="0"/>
       <p:regular r:id="rId21"/>
+      <p:bold r:id="rId22"/>
+      <p:italic r:id="rId23"/>
+      <p:boldItalic r:id="rId24"/>
     </p:embeddedFont>
     <p:embeddedFont>
-      <p:font typeface="Libre Franklin" pitchFamily="2" charset="77"/>
-      <p:regular r:id="rId22"/>
-      <p:bold r:id="rId23"/>
-      <p:italic r:id="rId24"/>
-      <p:boldItalic r:id="rId25"/>
+      <p:font typeface="Lucida Console" panose="020B0609040504020204" pitchFamily="49" charset="0"/>
+      <p:regular r:id="rId25"/>
     </p:embeddedFont>
     <p:embeddedFont>
-      <p:font typeface="Poppins" pitchFamily="2" charset="77"/>
+      <p:font typeface="Poppins" panose="00000500000000000000" pitchFamily="2" charset="0"/>
       <p:regular r:id="rId26"/>
       <p:bold r:id="rId27"/>
       <p:italic r:id="rId28"/>
       <p:boldItalic r:id="rId29"/>
     </p:embeddedFont>
     <p:embeddedFont>
-      <p:font typeface="Raleway" pitchFamily="2" charset="77"/>
+      <p:font typeface="Raleway" pitchFamily="2" charset="0"/>
       <p:regular r:id="rId30"/>
       <p:bold r:id="rId31"/>
       <p:italic r:id="rId32"/>
@@ -913,14 +916,6 @@
           <pc:docMk/>
           <pc:sldMk cId="224675658" sldId="282"/>
         </pc:sldMkLst>
-        <pc:spChg chg="mod">
-          <ac:chgData name="Mario Aragón Valderrama" userId="ab42593c9091a3c7" providerId="LiveId" clId="{A94EC9C8-FC2E-45B4-829C-AEB6B286F687}" dt="2025-10-31T11:11:46.389" v="2797" actId="14100"/>
-          <ac:spMkLst>
-            <pc:docMk/>
-            <pc:sldMk cId="224675658" sldId="282"/>
-            <ac:spMk id="633" creationId="{9D897F01-AE23-9F34-64C8-027BAF49FE70}"/>
-          </ac:spMkLst>
-        </pc:spChg>
         <pc:picChg chg="add del">
           <ac:chgData name="Mario Aragón Valderrama" userId="ab42593c9091a3c7" providerId="LiveId" clId="{A94EC9C8-FC2E-45B4-829C-AEB6B286F687}" dt="2025-11-05T09:16:41.744" v="9476" actId="22"/>
           <ac:picMkLst>
@@ -929,21 +924,6 @@
             <ac:picMk id="3" creationId="{C14165EC-58F9-5396-F62A-40F8AFE6EC2E}"/>
           </ac:picMkLst>
         </pc:picChg>
-      </pc:sldChg>
-      <pc:sldChg chg="modSp add mod">
-        <pc:chgData name="Mario Aragón Valderrama" userId="ab42593c9091a3c7" providerId="LiveId" clId="{A94EC9C8-FC2E-45B4-829C-AEB6B286F687}" dt="2025-10-31T11:11:57.069" v="2804" actId="14100"/>
-        <pc:sldMkLst>
-          <pc:docMk/>
-          <pc:sldMk cId="2016856145" sldId="283"/>
-        </pc:sldMkLst>
-        <pc:spChg chg="mod">
-          <ac:chgData name="Mario Aragón Valderrama" userId="ab42593c9091a3c7" providerId="LiveId" clId="{A94EC9C8-FC2E-45B4-829C-AEB6B286F687}" dt="2025-10-31T11:11:57.069" v="2804" actId="14100"/>
-          <ac:spMkLst>
-            <pc:docMk/>
-            <pc:sldMk cId="2016856145" sldId="283"/>
-            <ac:spMk id="633" creationId="{D5FA695C-D432-E93D-0A83-17103D7F6957}"/>
-          </ac:spMkLst>
-        </pc:spChg>
       </pc:sldChg>
       <pc:sldChg chg="modSp add">
         <pc:chgData name="Mario Aragón Valderrama" userId="ab42593c9091a3c7" providerId="LiveId" clId="{A94EC9C8-FC2E-45B4-829C-AEB6B286F687}" dt="2025-10-31T11:12:07.683" v="2805"/>
@@ -2444,9 +2424,9 @@
     <dgm:cxn modelId="{C1FA232B-B25A-4818-9BCD-DEBE45316E2F}" srcId="{D3DB2985-286F-4E1B-A3EF-B67DCD1C08F6}" destId="{CBFF6C33-7733-4A2E-9F4F-71A5C208EAE8}" srcOrd="3" destOrd="0" parTransId="{6FCC6521-4EFE-4241-A97E-7E91A23E183F}" sibTransId="{05CE11E1-ACF9-4DAF-930B-ADCD600844E6}"/>
     <dgm:cxn modelId="{18335230-78A8-45BC-9C99-E6CC84F92234}" type="presOf" srcId="{CBFF6C33-7733-4A2E-9F4F-71A5C208EAE8}" destId="{CCCE771C-F880-4686-A4B6-89572DC603BC}" srcOrd="1" destOrd="4" presId="urn:microsoft.com/office/officeart/2005/8/layout/vList4"/>
     <dgm:cxn modelId="{8782CE40-8DD3-4ADB-A873-E359E3EA8147}" type="presOf" srcId="{249D8C40-36DB-4241-9967-FD998032C2DA}" destId="{9368D843-76C1-42B0-834B-2DA28FCB0771}" srcOrd="0" destOrd="2" presId="urn:microsoft.com/office/officeart/2005/8/layout/vList4"/>
+    <dgm:cxn modelId="{DF5B256E-1BCA-468C-AF06-39814118FCEF}" type="presOf" srcId="{B0A54B65-E829-4553-8B45-B4EBDAF3C233}" destId="{B12AE6C0-B4ED-4A08-98AA-6732B6DC385E}" srcOrd="0" destOrd="0" presId="urn:microsoft.com/office/officeart/2005/8/layout/vList4"/>
     <dgm:cxn modelId="{9974744E-C0B1-4F73-B4ED-7510389F128C}" type="presOf" srcId="{7F32E596-06EC-48C3-A09C-04CA91FC3646}" destId="{9368D843-76C1-42B0-834B-2DA28FCB0771}" srcOrd="0" destOrd="1" presId="urn:microsoft.com/office/officeart/2005/8/layout/vList4"/>
     <dgm:cxn modelId="{4141D94E-2E86-434B-BC2F-125887D42DA7}" type="presOf" srcId="{CBFF6C33-7733-4A2E-9F4F-71A5C208EAE8}" destId="{9368D843-76C1-42B0-834B-2DA28FCB0771}" srcOrd="0" destOrd="4" presId="urn:microsoft.com/office/officeart/2005/8/layout/vList4"/>
-    <dgm:cxn modelId="{DF5B256E-1BCA-468C-AF06-39814118FCEF}" type="presOf" srcId="{B0A54B65-E829-4553-8B45-B4EBDAF3C233}" destId="{B12AE6C0-B4ED-4A08-98AA-6732B6DC385E}" srcOrd="0" destOrd="0" presId="urn:microsoft.com/office/officeart/2005/8/layout/vList4"/>
     <dgm:cxn modelId="{2FF3EB71-C7F5-4619-AB74-5943DE39CC10}" srcId="{E0DBD592-C900-4D5D-A79A-93A58E8DA172}" destId="{C9F99139-B66D-4219-861A-3EA127D493C0}" srcOrd="0" destOrd="0" parTransId="{1C880A37-22BC-4FD9-8955-F47618D81BCC}" sibTransId="{2ABCB300-CCE9-44E7-999D-3B03628596E1}"/>
     <dgm:cxn modelId="{CA7E1976-125C-4E25-B0E9-D36AE1BECE4E}" type="presOf" srcId="{249D8C40-36DB-4241-9967-FD998032C2DA}" destId="{CCCE771C-F880-4686-A4B6-89572DC603BC}" srcOrd="1" destOrd="2" presId="urn:microsoft.com/office/officeart/2005/8/layout/vList4"/>
     <dgm:cxn modelId="{16458B7B-01D5-46EA-95CB-21064FA40DA3}" type="presOf" srcId="{B9802D42-76B7-4AE8-9963-A689582E6B35}" destId="{1EA42E4A-7A77-461B-A3EF-ED6EF71F796A}" srcOrd="1" destOrd="0" presId="urn:microsoft.com/office/officeart/2005/8/layout/vList4"/>
@@ -5941,133 +5921,6 @@
         <p:cNvPr id="1" name="Shape 617">
           <a:extLst>
             <a:ext uri="{FF2B5EF4-FFF2-40B4-BE49-F238E27FC236}">
-              <a16:creationId xmlns:a16="http://schemas.microsoft.com/office/drawing/2014/main" id="{414A6873-DB54-CFF9-2A87-F53539E6C542}"/>
-            </a:ext>
-          </a:extLst>
-        </p:cNvPr>
-        <p:cNvGrpSpPr/>
-        <p:nvPr/>
-      </p:nvGrpSpPr>
-      <p:grpSpPr>
-        <a:xfrm>
-          <a:off x="0" y="0"/>
-          <a:ext cx="0" cy="0"/>
-          <a:chOff x="0" y="0"/>
-          <a:chExt cx="0" cy="0"/>
-        </a:xfrm>
-      </p:grpSpPr>
-      <p:sp>
-        <p:nvSpPr>
-          <p:cNvPr id="618" name="Google Shape;618;g2b1022eedc3_0_48:notes">
-            <a:extLst>
-              <a:ext uri="{FF2B5EF4-FFF2-40B4-BE49-F238E27FC236}">
-                <a16:creationId xmlns:a16="http://schemas.microsoft.com/office/drawing/2014/main" id="{ED1EA019-2F72-4102-2B10-237970B06CB0}"/>
-              </a:ext>
-            </a:extLst>
-          </p:cNvPr>
-          <p:cNvSpPr>
-            <a:spLocks noGrp="1" noRot="1" noChangeAspect="1"/>
-          </p:cNvSpPr>
-          <p:nvPr>
-            <p:ph type="sldImg" idx="2"/>
-          </p:nvPr>
-        </p:nvSpPr>
-        <p:spPr>
-          <a:xfrm>
-            <a:off x="381000" y="685800"/>
-            <a:ext cx="6096000" cy="3429000"/>
-          </a:xfrm>
-          <a:custGeom>
-            <a:avLst/>
-            <a:gdLst/>
-            <a:ahLst/>
-            <a:cxnLst/>
-            <a:rect l="l" t="t" r="r" b="b"/>
-            <a:pathLst>
-              <a:path w="120000" h="120000" extrusionOk="0">
-                <a:moveTo>
-                  <a:pt x="0" y="0"/>
-                </a:moveTo>
-                <a:lnTo>
-                  <a:pt x="120000" y="0"/>
-                </a:lnTo>
-                <a:lnTo>
-                  <a:pt x="120000" y="120000"/>
-                </a:lnTo>
-                <a:lnTo>
-                  <a:pt x="0" y="120000"/>
-                </a:lnTo>
-                <a:close/>
-              </a:path>
-            </a:pathLst>
-          </a:custGeom>
-        </p:spPr>
-      </p:sp>
-      <p:sp>
-        <p:nvSpPr>
-          <p:cNvPr id="619" name="Google Shape;619;g2b1022eedc3_0_48:notes">
-            <a:extLst>
-              <a:ext uri="{FF2B5EF4-FFF2-40B4-BE49-F238E27FC236}">
-                <a16:creationId xmlns:a16="http://schemas.microsoft.com/office/drawing/2014/main" id="{2AE3D04D-A1CB-D0BA-9313-F7B5D90FEB7F}"/>
-              </a:ext>
-            </a:extLst>
-          </p:cNvPr>
-          <p:cNvSpPr txBox="1">
-            <a:spLocks noGrp="1"/>
-          </p:cNvSpPr>
-          <p:nvPr>
-            <p:ph type="body" idx="1"/>
-          </p:nvPr>
-        </p:nvSpPr>
-        <p:spPr>
-          <a:xfrm>
-            <a:off x="685800" y="4343400"/>
-            <a:ext cx="5486400" cy="4114800"/>
-          </a:xfrm>
-          <a:prstGeom prst="rect">
-            <a:avLst/>
-          </a:prstGeom>
-        </p:spPr>
-        <p:txBody>
-          <a:bodyPr spcFirstLastPara="1" wrap="square" lIns="91425" tIns="91425" rIns="91425" bIns="91425" anchor="t" anchorCtr="0">
-            <a:noAutofit/>
-          </a:bodyPr>
-          <a:lstStyle/>
-          <a:p>
-            <a:pPr marL="0" lvl="0" indent="0" algn="l" rtl="0">
-              <a:spcBef>
-                <a:spcPts val="0"/>
-              </a:spcBef>
-              <a:spcAft>
-                <a:spcPts val="0"/>
-              </a:spcAft>
-              <a:buNone/>
-            </a:pPr>
-            <a:endParaRPr/>
-          </a:p>
-        </p:txBody>
-      </p:sp>
-    </p:spTree>
-    <p:extLst>
-      <p:ext uri="{BB962C8B-B14F-4D97-AF65-F5344CB8AC3E}">
-        <p14:creationId xmlns:p14="http://schemas.microsoft.com/office/powerpoint/2010/main" val="2480473684"/>
-      </p:ext>
-    </p:extLst>
-  </p:cSld>
-  <p:clrMapOvr>
-    <a:masterClrMapping/>
-  </p:clrMapOvr>
-</p:notes>
-</file>
-
-<file path=ppt/notesSlides/notesSlide16.xml><?xml version="1.0" encoding="utf-8"?>
-<p:notes xmlns:a="http://schemas.openxmlformats.org/drawingml/2006/main" xmlns:r="http://schemas.openxmlformats.org/officeDocument/2006/relationships" xmlns:p="http://schemas.openxmlformats.org/presentationml/2006/main" showMasterSp="0" showMasterPhAnim="0">
-  <p:cSld>
-    <p:spTree>
-      <p:nvGrpSpPr>
-        <p:cNvPr id="1" name="Shape 617">
-          <a:extLst>
-            <a:ext uri="{FF2B5EF4-FFF2-40B4-BE49-F238E27FC236}">
               <a16:creationId xmlns:a16="http://schemas.microsoft.com/office/drawing/2014/main" id="{8BE759C5-4FE1-D61C-0652-7568C91FD2AF}"/>
             </a:ext>
           </a:extLst>
@@ -13183,6 +13036,7 @@
           </a:bodyPr>
           <a:lstStyle/>
           <a:p>
+            <a:pPr algn="just"/>
             <a:r>
               <a:rPr lang="es-ES" sz="1200" dirty="0"/>
               <a:t>Sobre la base de datos imputada y transformada se realizaron </a:t>
@@ -13291,6 +13145,7 @@
           </a:bodyPr>
           <a:lstStyle/>
           <a:p>
+            <a:pPr algn="just"/>
             <a:r>
               <a:rPr lang="es-ES" sz="1200" dirty="0"/>
               <a:t>No obstante, ya se realizó este test antes de la imputación de NA, y las variables </a:t>
@@ -13313,17 +13168,10 @@
             </a:r>
           </a:p>
           <a:p>
+            <a:pPr algn="just"/>
             <a:r>
               <a:rPr lang="es-ES" sz="1200" dirty="0"/>
-              <a:t>Este resultado no es inesperado, ya que anteriormente presentaban p-valores sólo ligeramente inferiores a 0,05, lo que ya indicaba una significación marginal. No obstante, se probará el modelo para la base </a:t>
-            </a:r>
-            <a:r>
-              <a:rPr lang="es-ES" sz="1200"/>
-              <a:t>de datos reducida </a:t>
-            </a:r>
-            <a:r>
-              <a:rPr lang="es-ES" sz="1200" dirty="0"/>
-              <a:t>con y sin esas dos variables para ver si realmente se obtienen resultados diferentes.</a:t>
+              <a:t>Este resultado no es inesperado, ya que anteriormente presentaban p-valores sólo ligeramente inferiores a 0,05, lo que ya indicaba una significación marginal. No obstante, se probará el modelo para la base de datos reducida con y sin esas dos variables para ver si realmente se obtienen resultados diferentes.</a:t>
             </a:r>
           </a:p>
         </p:txBody>
@@ -13444,13 +13292,14 @@
           </a:bodyPr>
           <a:lstStyle/>
           <a:p>
+            <a:pPr algn="just"/>
             <a:r>
               <a:rPr lang="es-ES" b="1" dirty="0"/>
               <a:t>Sobre la preparación de los datos: </a:t>
             </a:r>
           </a:p>
           <a:p>
-            <a:pPr marL="285750" indent="-285750">
+            <a:pPr marL="285750" indent="-285750" algn="just">
               <a:buFontTx/>
               <a:buChar char="-"/>
             </a:pPr>
@@ -13460,7 +13309,7 @@
             </a:r>
           </a:p>
           <a:p>
-            <a:pPr marL="285750" indent="-285750">
+            <a:pPr marL="285750" indent="-285750" algn="just">
               <a:buFontTx/>
               <a:buChar char="-"/>
             </a:pPr>
@@ -13478,7 +13327,7 @@
             </a:r>
           </a:p>
           <a:p>
-            <a:pPr marL="285750" indent="-285750">
+            <a:pPr marL="285750" indent="-285750" algn="just">
               <a:buFontTx/>
               <a:buChar char="-"/>
             </a:pPr>
@@ -13488,19 +13337,21 @@
             </a:r>
           </a:p>
           <a:p>
-            <a:pPr marL="285750" indent="-285750">
+            <a:pPr marL="285750" indent="-285750" algn="just">
               <a:buFontTx/>
               <a:buChar char="-"/>
             </a:pPr>
             <a:endParaRPr lang="es-ES" dirty="0"/>
           </a:p>
           <a:p>
+            <a:pPr algn="just"/>
             <a:r>
               <a:rPr lang="es-ES" b="1" dirty="0"/>
               <a:t>Sobre la parametrización</a:t>
             </a:r>
           </a:p>
           <a:p>
+            <a:pPr algn="just"/>
             <a:r>
               <a:rPr lang="es-ES" dirty="0"/>
               <a:t>Se pretendía encontrar reglas asociativas donde </a:t>
@@ -13539,9 +13390,11 @@
             </a:r>
           </a:p>
           <a:p>
+            <a:pPr algn="just"/>
             <a:endParaRPr lang="es-ES" dirty="0"/>
           </a:p>
           <a:p>
+            <a:pPr algn="just"/>
             <a:r>
               <a:rPr lang="es-ES" dirty="0"/>
               <a:t>Esta circunstancia derivó en la elección de un soporte mínimo extremadamente bajo, de modo que se pudiera obtener reglas significativas asociadas al abandono del banco. En los valores LIFT se podrá ver que el hecho de reducir el soporte no impide obtener reglas muy significativas que expliquen tendencias dentro de ese 20% de la muestra. </a:t>
@@ -13557,9 +13410,11 @@
             <a:endParaRPr lang="es-ES" b="1" i="1" dirty="0"/>
           </a:p>
           <a:p>
+            <a:pPr algn="just"/>
             <a:endParaRPr lang="es-ES" dirty="0"/>
           </a:p>
           <a:p>
+            <a:pPr algn="just"/>
             <a:r>
               <a:rPr lang="es-ES" dirty="0"/>
               <a:t>Esto también afecta a la elección de la confianza: Se ha escogido </a:t>
@@ -14510,7 +14365,7 @@
             </a:r>
             <a:r>
               <a:rPr lang="es-ES" sz="1100" dirty="0"/>
-              <a:t> que si fueran independientes</a:t>
+              <a:t> que si fueran independientes.</a:t>
             </a:r>
           </a:p>
           <a:p>
@@ -14796,7 +14651,7 @@
         </p:nvSpPr>
         <p:spPr>
           <a:xfrm>
-            <a:off x="1027299" y="1310894"/>
+            <a:off x="1027299" y="1112200"/>
             <a:ext cx="7089401" cy="2985433"/>
           </a:xfrm>
           <a:prstGeom prst="rect">
@@ -14853,7 +14708,15 @@
             </a:r>
             <a:r>
               <a:rPr lang="es-ES" sz="1200" dirty="0"/>
-              <a:t> y ROSE. Los resultados obtenidos no muestran diferencias significativas entre estos métodos.  Se ha comprobado que una vez balanceado los datos, se obtienen mejores resultados.</a:t>
+              <a:t> y ROSE. Los resultados obtenidos </a:t>
+            </a:r>
+            <a:r>
+              <a:rPr lang="es-ES" sz="1200" b="1" dirty="0"/>
+              <a:t>no muestran diferencias </a:t>
+            </a:r>
+            <a:r>
+              <a:rPr lang="es-ES" sz="1200" dirty="0"/>
+              <a:t>significativas entre estos métodos.  Se ha comprobado que una vez balanceado los datos, se obtienen mejores resultados.</a:t>
             </a:r>
           </a:p>
           <a:p>
@@ -14941,7 +14804,7 @@
 </file>
 
 <file path=ppt/slides/slide14.xml><?xml version="1.0" encoding="utf-8"?>
-<p:sld xmlns:a="http://schemas.openxmlformats.org/drawingml/2006/main" xmlns:r="http://schemas.openxmlformats.org/officeDocument/2006/relationships" xmlns:p="http://schemas.openxmlformats.org/presentationml/2006/main">
+<p:sld xmlns:a="http://schemas.openxmlformats.org/drawingml/2006/main" xmlns:r="http://schemas.openxmlformats.org/officeDocument/2006/relationships" xmlns:p="http://schemas.openxmlformats.org/presentationml/2006/main" show="0">
   <p:cSld>
     <p:spTree>
       <p:nvGrpSpPr>
@@ -14997,37 +14860,460 @@
             <a:pPr lvl="0"/>
             <a:r>
               <a:rPr lang="es-ES" dirty="0"/>
-              <a:t>PRIMEROS MODELOS</a:t>
-            </a:r>
-            <a:br>
+              <a:t>PRIMEROS MODELOS – KNN y </a:t>
+            </a:r>
+            <a:r>
+              <a:rPr lang="es-ES" dirty="0" err="1"/>
+              <a:t>Naive</a:t>
+            </a:r>
+            <a:r>
               <a:rPr lang="es-ES" dirty="0"/>
-            </a:br>
-            <a:r>
-              <a:rPr lang="es-ES" dirty="0"/>
-              <a:t>MODELO 1: K-</a:t>
-            </a:r>
-            <a:r>
-              <a:rPr lang="es-ES" dirty="0" err="1"/>
-              <a:t>Nearest</a:t>
-            </a:r>
-            <a:r>
-              <a:rPr lang="es-ES" dirty="0"/>
-              <a:t> </a:t>
-            </a:r>
-            <a:r>
-              <a:rPr lang="es-ES" dirty="0" err="1"/>
-              <a:t>Neighors</a:t>
+              <a:t> Bayes </a:t>
             </a:r>
             <a:endParaRPr dirty="0"/>
           </a:p>
         </p:txBody>
       </p:sp>
+      <p:graphicFrame>
+        <p:nvGraphicFramePr>
+          <p:cNvPr id="4" name="Tabla 3">
+            <a:extLst>
+              <a:ext uri="{FF2B5EF4-FFF2-40B4-BE49-F238E27FC236}">
+                <a16:creationId xmlns:a16="http://schemas.microsoft.com/office/drawing/2014/main" id="{5245506C-4D14-F17B-399A-0E41B8406CB8}"/>
+              </a:ext>
+            </a:extLst>
+          </p:cNvPr>
+          <p:cNvGraphicFramePr>
+            <a:graphicFrameLocks noGrp="1"/>
+          </p:cNvGraphicFramePr>
+          <p:nvPr>
+            <p:extLst>
+              <p:ext uri="{D42A27DB-BD31-4B8C-83A1-F6EECF244321}">
+                <p14:modId xmlns:p14="http://schemas.microsoft.com/office/powerpoint/2010/main" val="1703214162"/>
+              </p:ext>
+            </p:extLst>
+          </p:nvPr>
+        </p:nvGraphicFramePr>
+        <p:xfrm>
+          <a:off x="1100926" y="1661953"/>
+          <a:ext cx="4929099" cy="433516"/>
+        </p:xfrm>
+        <a:graphic>
+          <a:graphicData uri="http://schemas.openxmlformats.org/drawingml/2006/table">
+            <a:tbl>
+              <a:tblPr>
+                <a:tableStyleId>{7FD54D1E-A07F-487E-B709-6B33F1453160}</a:tableStyleId>
+              </a:tblPr>
+              <a:tblGrid>
+                <a:gridCol w="811597">
+                  <a:extLst>
+                    <a:ext uri="{9D8B030D-6E8A-4147-A177-3AD203B41FA5}">
+                      <a16:colId xmlns:a16="http://schemas.microsoft.com/office/drawing/2014/main" val="3380187113"/>
+                    </a:ext>
+                  </a:extLst>
+                </a:gridCol>
+                <a:gridCol w="575379">
+                  <a:extLst>
+                    <a:ext uri="{9D8B030D-6E8A-4147-A177-3AD203B41FA5}">
+                      <a16:colId xmlns:a16="http://schemas.microsoft.com/office/drawing/2014/main" val="2138850178"/>
+                    </a:ext>
+                  </a:extLst>
+                </a:gridCol>
+                <a:gridCol w="693488">
+                  <a:extLst>
+                    <a:ext uri="{9D8B030D-6E8A-4147-A177-3AD203B41FA5}">
+                      <a16:colId xmlns:a16="http://schemas.microsoft.com/office/drawing/2014/main" val="700685227"/>
+                    </a:ext>
+                  </a:extLst>
+                </a:gridCol>
+                <a:gridCol w="693488">
+                  <a:extLst>
+                    <a:ext uri="{9D8B030D-6E8A-4147-A177-3AD203B41FA5}">
+                      <a16:colId xmlns:a16="http://schemas.microsoft.com/office/drawing/2014/main" val="2427854097"/>
+                    </a:ext>
+                  </a:extLst>
+                </a:gridCol>
+                <a:gridCol w="768171">
+                  <a:extLst>
+                    <a:ext uri="{9D8B030D-6E8A-4147-A177-3AD203B41FA5}">
+                      <a16:colId xmlns:a16="http://schemas.microsoft.com/office/drawing/2014/main" val="2553930462"/>
+                    </a:ext>
+                  </a:extLst>
+                </a:gridCol>
+                <a:gridCol w="693488">
+                  <a:extLst>
+                    <a:ext uri="{9D8B030D-6E8A-4147-A177-3AD203B41FA5}">
+                      <a16:colId xmlns:a16="http://schemas.microsoft.com/office/drawing/2014/main" val="214213844"/>
+                    </a:ext>
+                  </a:extLst>
+                </a:gridCol>
+                <a:gridCol w="693488">
+                  <a:extLst>
+                    <a:ext uri="{9D8B030D-6E8A-4147-A177-3AD203B41FA5}">
+                      <a16:colId xmlns:a16="http://schemas.microsoft.com/office/drawing/2014/main" val="1128590070"/>
+                    </a:ext>
+                  </a:extLst>
+                </a:gridCol>
+              </a:tblGrid>
+              <a:tr h="216758">
+                <a:tc>
+                  <a:txBody>
+                    <a:bodyPr/>
+                    <a:lstStyle/>
+                    <a:p>
+                      <a:pPr algn="l" fontAlgn="ctr">
+                        <a:buNone/>
+                      </a:pPr>
+                      <a:r>
+                        <a:rPr lang="es-ES" sz="800" b="1" i="0" u="none" strike="noStrike" dirty="0">
+                          <a:solidFill>
+                            <a:srgbClr val="000000"/>
+                          </a:solidFill>
+                          <a:effectLst/>
+                          <a:latin typeface="Lucida Console" panose="020B0609040504020204" pitchFamily="49" charset="0"/>
+                        </a:rPr>
+                        <a:t>NAIVE BAYES</a:t>
+                      </a:r>
+                    </a:p>
+                  </a:txBody>
+                  <a:tcPr marL="7620" marR="7620" marT="7620" marB="0" anchor="ctr"/>
+                </a:tc>
+                <a:tc>
+                  <a:txBody>
+                    <a:bodyPr/>
+                    <a:lstStyle/>
+                    <a:p>
+                      <a:pPr algn="l" fontAlgn="ctr">
+                        <a:buNone/>
+                      </a:pPr>
+                      <a:r>
+                        <a:rPr lang="es-ES" sz="800" b="1" i="0" u="none" strike="noStrike" dirty="0">
+                          <a:solidFill>
+                            <a:srgbClr val="000000"/>
+                          </a:solidFill>
+                          <a:effectLst/>
+                          <a:latin typeface="Lucida Console" panose="020B0609040504020204" pitchFamily="49" charset="0"/>
+                        </a:rPr>
+                        <a:t>TRAIN</a:t>
+                      </a:r>
+                    </a:p>
+                  </a:txBody>
+                  <a:tcPr marL="7620" marR="7620" marT="7620" marB="0" anchor="ctr"/>
+                </a:tc>
+                <a:tc>
+                  <a:txBody>
+                    <a:bodyPr/>
+                    <a:lstStyle/>
+                    <a:p>
+                      <a:pPr algn="l" fontAlgn="ctr">
+                        <a:buNone/>
+                      </a:pPr>
+                      <a:r>
+                        <a:rPr lang="es-ES" sz="800" b="1" u="none" strike="noStrike" dirty="0">
+                          <a:effectLst/>
+                        </a:rPr>
+                        <a:t>0.7477551</a:t>
+                      </a:r>
+                      <a:endParaRPr lang="es-ES" sz="800" b="1" i="0" u="none" strike="noStrike" dirty="0">
+                        <a:solidFill>
+                          <a:srgbClr val="000000"/>
+                        </a:solidFill>
+                        <a:effectLst/>
+                        <a:latin typeface="Lucida Console" panose="020B0609040504020204" pitchFamily="49" charset="0"/>
+                      </a:endParaRPr>
+                    </a:p>
+                  </a:txBody>
+                  <a:tcPr marL="7620" marR="7620" marT="7620" marB="0" anchor="ctr"/>
+                </a:tc>
+                <a:tc>
+                  <a:txBody>
+                    <a:bodyPr/>
+                    <a:lstStyle/>
+                    <a:p>
+                      <a:pPr algn="l" fontAlgn="ctr">
+                        <a:buNone/>
+                      </a:pPr>
+                      <a:r>
+                        <a:rPr lang="es-ES" sz="800" b="1" u="none" strike="noStrike">
+                          <a:effectLst/>
+                        </a:rPr>
+                        <a:t>0.4010743</a:t>
+                      </a:r>
+                      <a:endParaRPr lang="es-ES" sz="800" b="1" i="0" u="none" strike="noStrike">
+                        <a:solidFill>
+                          <a:srgbClr val="000000"/>
+                        </a:solidFill>
+                        <a:effectLst/>
+                        <a:latin typeface="Lucida Console" panose="020B0609040504020204" pitchFamily="49" charset="0"/>
+                      </a:endParaRPr>
+                    </a:p>
+                  </a:txBody>
+                  <a:tcPr marL="7620" marR="7620" marT="7620" marB="0" anchor="ctr"/>
+                </a:tc>
+                <a:tc>
+                  <a:txBody>
+                    <a:bodyPr/>
+                    <a:lstStyle/>
+                    <a:p>
+                      <a:pPr algn="l" fontAlgn="ctr">
+                        <a:buNone/>
+                      </a:pPr>
+                      <a:r>
+                        <a:rPr lang="es-ES" sz="800" b="1" u="none" strike="noStrike">
+                          <a:effectLst/>
+                        </a:rPr>
+                        <a:t>0.4413793</a:t>
+                      </a:r>
+                      <a:endParaRPr lang="es-ES" sz="800" b="1" i="0" u="none" strike="noStrike">
+                        <a:solidFill>
+                          <a:srgbClr val="000000"/>
+                        </a:solidFill>
+                        <a:effectLst/>
+                        <a:latin typeface="Lucida Console" panose="020B0609040504020204" pitchFamily="49" charset="0"/>
+                      </a:endParaRPr>
+                    </a:p>
+                  </a:txBody>
+                  <a:tcPr marL="7620" marR="7620" marT="7620" marB="0" anchor="ctr"/>
+                </a:tc>
+                <a:tc>
+                  <a:txBody>
+                    <a:bodyPr/>
+                    <a:lstStyle/>
+                    <a:p>
+                      <a:pPr algn="l" fontAlgn="ctr">
+                        <a:buNone/>
+                      </a:pPr>
+                      <a:r>
+                        <a:rPr lang="es-ES" sz="800" b="1" u="none" strike="noStrike">
+                          <a:effectLst/>
+                        </a:rPr>
+                        <a:t>0.8277992</a:t>
+                      </a:r>
+                      <a:endParaRPr lang="es-ES" sz="800" b="1" i="0" u="none" strike="noStrike">
+                        <a:solidFill>
+                          <a:srgbClr val="000000"/>
+                        </a:solidFill>
+                        <a:effectLst/>
+                        <a:latin typeface="Lucida Console" panose="020B0609040504020204" pitchFamily="49" charset="0"/>
+                      </a:endParaRPr>
+                    </a:p>
+                  </a:txBody>
+                  <a:tcPr marL="7620" marR="7620" marT="7620" marB="0" anchor="ctr"/>
+                </a:tc>
+                <a:tc>
+                  <a:txBody>
+                    <a:bodyPr/>
+                    <a:lstStyle/>
+                    <a:p>
+                      <a:pPr algn="l" fontAlgn="ctr">
+                        <a:buNone/>
+                      </a:pPr>
+                      <a:r>
+                        <a:rPr lang="es-ES" sz="800" b="1" u="none" strike="noStrike" dirty="0">
+                          <a:effectLst/>
+                        </a:rPr>
+                        <a:t>0.4202627</a:t>
+                      </a:r>
+                      <a:endParaRPr lang="es-ES" sz="800" b="1" i="0" u="none" strike="noStrike" dirty="0">
+                        <a:solidFill>
+                          <a:srgbClr val="000000"/>
+                        </a:solidFill>
+                        <a:effectLst/>
+                        <a:latin typeface="Lucida Console" panose="020B0609040504020204" pitchFamily="49" charset="0"/>
+                      </a:endParaRPr>
+                    </a:p>
+                  </a:txBody>
+                  <a:tcPr marL="7620" marR="7620" marT="7620" marB="0" anchor="ctr"/>
+                </a:tc>
+                <a:extLst>
+                  <a:ext uri="{0D108BD9-81ED-4DB2-BD59-A6C34878D82A}">
+                    <a16:rowId xmlns:a16="http://schemas.microsoft.com/office/drawing/2014/main" val="3881501642"/>
+                  </a:ext>
+                </a:extLst>
+              </a:tr>
+              <a:tr h="216758">
+                <a:tc>
+                  <a:txBody>
+                    <a:bodyPr/>
+                    <a:lstStyle/>
+                    <a:p>
+                      <a:pPr algn="l" fontAlgn="ctr">
+                        <a:buNone/>
+                      </a:pPr>
+                      <a:endParaRPr lang="es-ES" sz="800" b="1" i="0" u="none" strike="noStrike" dirty="0">
+                        <a:solidFill>
+                          <a:srgbClr val="000000"/>
+                        </a:solidFill>
+                        <a:effectLst/>
+                        <a:latin typeface="Lucida Console" panose="020B0609040504020204" pitchFamily="49" charset="0"/>
+                      </a:endParaRPr>
+                    </a:p>
+                  </a:txBody>
+                  <a:tcPr marL="7620" marR="7620" marT="7620" marB="0" anchor="ctr"/>
+                </a:tc>
+                <a:tc>
+                  <a:txBody>
+                    <a:bodyPr/>
+                    <a:lstStyle/>
+                    <a:p>
+                      <a:pPr algn="l" fontAlgn="ctr">
+                        <a:buNone/>
+                      </a:pPr>
+                      <a:r>
+                        <a:rPr lang="es-ES" sz="800" b="1" i="0" u="none" strike="noStrike" dirty="0">
+                          <a:solidFill>
+                            <a:srgbClr val="000000"/>
+                          </a:solidFill>
+                          <a:effectLst/>
+                          <a:latin typeface="Lucida Console" panose="020B0609040504020204" pitchFamily="49" charset="0"/>
+                        </a:rPr>
+                        <a:t>TEST</a:t>
+                      </a:r>
+                    </a:p>
+                  </a:txBody>
+                  <a:tcPr marL="7620" marR="7620" marT="7620" marB="0" anchor="ctr"/>
+                </a:tc>
+                <a:tc>
+                  <a:txBody>
+                    <a:bodyPr/>
+                    <a:lstStyle/>
+                    <a:p>
+                      <a:pPr algn="l" fontAlgn="ctr">
+                        <a:buNone/>
+                      </a:pPr>
+                      <a:r>
+                        <a:rPr lang="es-ES" sz="800" b="1" u="none" strike="noStrike" dirty="0">
+                          <a:effectLst/>
+                        </a:rPr>
+                        <a:t>0.7595238</a:t>
+                      </a:r>
+                      <a:endParaRPr lang="es-ES" sz="800" b="1" i="0" u="none" strike="noStrike" dirty="0">
+                        <a:solidFill>
+                          <a:srgbClr val="000000"/>
+                        </a:solidFill>
+                        <a:effectLst/>
+                        <a:latin typeface="Lucida Console" panose="020B0609040504020204" pitchFamily="49" charset="0"/>
+                      </a:endParaRPr>
+                    </a:p>
+                  </a:txBody>
+                  <a:tcPr marL="7620" marR="7620" marT="7620" marB="0" anchor="ctr"/>
+                </a:tc>
+                <a:tc>
+                  <a:txBody>
+                    <a:bodyPr/>
+                    <a:lstStyle/>
+                    <a:p>
+                      <a:pPr algn="l" fontAlgn="ctr">
+                        <a:buNone/>
+                      </a:pPr>
+                      <a:r>
+                        <a:rPr lang="es-ES" sz="800" b="1" u="none" strike="noStrike" dirty="0">
+                          <a:effectLst/>
+                        </a:rPr>
+                        <a:t>0.4264706</a:t>
+                      </a:r>
+                      <a:endParaRPr lang="es-ES" sz="800" b="1" i="0" u="none" strike="noStrike" dirty="0">
+                        <a:solidFill>
+                          <a:srgbClr val="000000"/>
+                        </a:solidFill>
+                        <a:effectLst/>
+                        <a:latin typeface="Lucida Console" panose="020B0609040504020204" pitchFamily="49" charset="0"/>
+                      </a:endParaRPr>
+                    </a:p>
+                  </a:txBody>
+                  <a:tcPr marL="7620" marR="7620" marT="7620" marB="0" anchor="ctr"/>
+                </a:tc>
+                <a:tc>
+                  <a:txBody>
+                    <a:bodyPr/>
+                    <a:lstStyle/>
+                    <a:p>
+                      <a:pPr algn="l" fontAlgn="ctr">
+                        <a:buNone/>
+                      </a:pPr>
+                      <a:r>
+                        <a:rPr lang="es-ES" sz="800" b="1" u="none" strike="noStrike">
+                          <a:effectLst/>
+                        </a:rPr>
+                        <a:t>0.4666667</a:t>
+                      </a:r>
+                      <a:endParaRPr lang="es-ES" sz="800" b="1" i="0" u="none" strike="noStrike">
+                        <a:solidFill>
+                          <a:srgbClr val="000000"/>
+                        </a:solidFill>
+                        <a:effectLst/>
+                        <a:latin typeface="Lucida Console" panose="020B0609040504020204" pitchFamily="49" charset="0"/>
+                      </a:endParaRPr>
+                    </a:p>
+                  </a:txBody>
+                  <a:tcPr marL="7620" marR="7620" marT="7620" marB="0" anchor="ctr"/>
+                </a:tc>
+                <a:tc>
+                  <a:txBody>
+                    <a:bodyPr/>
+                    <a:lstStyle/>
+                    <a:p>
+                      <a:pPr algn="l" fontAlgn="ctr">
+                        <a:buNone/>
+                      </a:pPr>
+                      <a:r>
+                        <a:rPr lang="es-ES" sz="800" b="1" u="none" strike="noStrike">
+                          <a:effectLst/>
+                        </a:rPr>
+                        <a:t>0.8360360</a:t>
+                      </a:r>
+                      <a:endParaRPr lang="es-ES" sz="800" b="1" i="0" u="none" strike="noStrike">
+                        <a:solidFill>
+                          <a:srgbClr val="000000"/>
+                        </a:solidFill>
+                        <a:effectLst/>
+                        <a:latin typeface="Lucida Console" panose="020B0609040504020204" pitchFamily="49" charset="0"/>
+                      </a:endParaRPr>
+                    </a:p>
+                  </a:txBody>
+                  <a:tcPr marL="7620" marR="7620" marT="7620" marB="0" anchor="ctr"/>
+                </a:tc>
+                <a:tc>
+                  <a:txBody>
+                    <a:bodyPr/>
+                    <a:lstStyle/>
+                    <a:p>
+                      <a:pPr algn="l" fontAlgn="ctr">
+                        <a:buNone/>
+                      </a:pPr>
+                      <a:r>
+                        <a:rPr lang="es-ES" sz="800" b="1" u="none" strike="noStrike" dirty="0">
+                          <a:effectLst/>
+                        </a:rPr>
+                        <a:t>0.4456641</a:t>
+                      </a:r>
+                      <a:endParaRPr lang="es-ES" sz="800" b="1" i="0" u="none" strike="noStrike" dirty="0">
+                        <a:solidFill>
+                          <a:srgbClr val="000000"/>
+                        </a:solidFill>
+                        <a:effectLst/>
+                        <a:latin typeface="Lucida Console" panose="020B0609040504020204" pitchFamily="49" charset="0"/>
+                      </a:endParaRPr>
+                    </a:p>
+                  </a:txBody>
+                  <a:tcPr marL="7620" marR="7620" marT="7620" marB="0" anchor="ctr"/>
+                </a:tc>
+                <a:extLst>
+                  <a:ext uri="{0D108BD9-81ED-4DB2-BD59-A6C34878D82A}">
+                    <a16:rowId xmlns:a16="http://schemas.microsoft.com/office/drawing/2014/main" val="379735861"/>
+                  </a:ext>
+                </a:extLst>
+              </a:tr>
+            </a:tbl>
+          </a:graphicData>
+        </a:graphic>
+      </p:graphicFrame>
       <p:sp>
         <p:nvSpPr>
-          <p:cNvPr id="2" name="TextBox 1">
+          <p:cNvPr id="3" name="CuadroTexto 2">
             <a:extLst>
               <a:ext uri="{FF2B5EF4-FFF2-40B4-BE49-F238E27FC236}">
-                <a16:creationId xmlns:a16="http://schemas.microsoft.com/office/drawing/2014/main" id="{4CBB7A73-8E27-6DED-3278-49E64CF96E14}"/>
+                <a16:creationId xmlns:a16="http://schemas.microsoft.com/office/drawing/2014/main" id="{9FED64D0-23C4-3456-454D-78AD3005785D}"/>
               </a:ext>
             </a:extLst>
           </p:cNvPr>
@@ -15036,8 +15322,478 @@
         </p:nvSpPr>
         <p:spPr>
           <a:xfrm>
-            <a:off x="412190" y="1663809"/>
-            <a:ext cx="4572000" cy="1169551"/>
+            <a:off x="678247" y="1117751"/>
+            <a:ext cx="6788451" cy="276999"/>
+          </a:xfrm>
+          <a:prstGeom prst="rect">
+            <a:avLst/>
+          </a:prstGeom>
+          <a:noFill/>
+        </p:spPr>
+        <p:txBody>
+          <a:bodyPr wrap="square" rtlCol="0">
+            <a:spAutoFit/>
+          </a:bodyPr>
+          <a:lstStyle/>
+          <a:p>
+            <a:r>
+              <a:rPr lang="es-ES" sz="1200" dirty="0"/>
+              <a:t>Se han probado varios modelos, de los cuales los mejores fueron los siguientes.</a:t>
+            </a:r>
+            <a:endParaRPr lang="ca-ES" dirty="0"/>
+          </a:p>
+        </p:txBody>
+      </p:sp>
+      <p:graphicFrame>
+        <p:nvGraphicFramePr>
+          <p:cNvPr id="5" name="Tabla 4">
+            <a:extLst>
+              <a:ext uri="{FF2B5EF4-FFF2-40B4-BE49-F238E27FC236}">
+                <a16:creationId xmlns:a16="http://schemas.microsoft.com/office/drawing/2014/main" id="{4841523C-FC7F-24EE-F6D5-4FD6EE887CBB}"/>
+              </a:ext>
+            </a:extLst>
+          </p:cNvPr>
+          <p:cNvGraphicFramePr>
+            <a:graphicFrameLocks noGrp="1"/>
+          </p:cNvGraphicFramePr>
+          <p:nvPr>
+            <p:extLst>
+              <p:ext uri="{D42A27DB-BD31-4B8C-83A1-F6EECF244321}">
+                <p14:modId xmlns:p14="http://schemas.microsoft.com/office/powerpoint/2010/main" val="3174456216"/>
+              </p:ext>
+            </p:extLst>
+          </p:nvPr>
+        </p:nvGraphicFramePr>
+        <p:xfrm>
+          <a:off x="1100926" y="2213469"/>
+          <a:ext cx="4929099" cy="466811"/>
+        </p:xfrm>
+        <a:graphic>
+          <a:graphicData uri="http://schemas.openxmlformats.org/drawingml/2006/table">
+            <a:tbl>
+              <a:tblPr>
+                <a:tableStyleId>{7FD54D1E-A07F-487E-B709-6B33F1453160}</a:tableStyleId>
+              </a:tblPr>
+              <a:tblGrid>
+                <a:gridCol w="804722">
+                  <a:extLst>
+                    <a:ext uri="{9D8B030D-6E8A-4147-A177-3AD203B41FA5}">
+                      <a16:colId xmlns:a16="http://schemas.microsoft.com/office/drawing/2014/main" val="2154869652"/>
+                    </a:ext>
+                  </a:extLst>
+                </a:gridCol>
+                <a:gridCol w="603592">
+                  <a:extLst>
+                    <a:ext uri="{9D8B030D-6E8A-4147-A177-3AD203B41FA5}">
+                      <a16:colId xmlns:a16="http://schemas.microsoft.com/office/drawing/2014/main" val="1921038210"/>
+                    </a:ext>
+                  </a:extLst>
+                </a:gridCol>
+                <a:gridCol w="667907">
+                  <a:extLst>
+                    <a:ext uri="{9D8B030D-6E8A-4147-A177-3AD203B41FA5}">
+                      <a16:colId xmlns:a16="http://schemas.microsoft.com/office/drawing/2014/main" val="2906792986"/>
+                    </a:ext>
+                  </a:extLst>
+                </a:gridCol>
+                <a:gridCol w="687153">
+                  <a:extLst>
+                    <a:ext uri="{9D8B030D-6E8A-4147-A177-3AD203B41FA5}">
+                      <a16:colId xmlns:a16="http://schemas.microsoft.com/office/drawing/2014/main" val="3334566182"/>
+                    </a:ext>
+                  </a:extLst>
+                </a:gridCol>
+                <a:gridCol w="789955">
+                  <a:extLst>
+                    <a:ext uri="{9D8B030D-6E8A-4147-A177-3AD203B41FA5}">
+                      <a16:colId xmlns:a16="http://schemas.microsoft.com/office/drawing/2014/main" val="3970099401"/>
+                    </a:ext>
+                  </a:extLst>
+                </a:gridCol>
+                <a:gridCol w="671613">
+                  <a:extLst>
+                    <a:ext uri="{9D8B030D-6E8A-4147-A177-3AD203B41FA5}">
+                      <a16:colId xmlns:a16="http://schemas.microsoft.com/office/drawing/2014/main" val="451950995"/>
+                    </a:ext>
+                  </a:extLst>
+                </a:gridCol>
+                <a:gridCol w="704157">
+                  <a:extLst>
+                    <a:ext uri="{9D8B030D-6E8A-4147-A177-3AD203B41FA5}">
+                      <a16:colId xmlns:a16="http://schemas.microsoft.com/office/drawing/2014/main" val="3539236233"/>
+                    </a:ext>
+                  </a:extLst>
+                </a:gridCol>
+              </a:tblGrid>
+              <a:tr h="254158">
+                <a:tc>
+                  <a:txBody>
+                    <a:bodyPr/>
+                    <a:lstStyle/>
+                    <a:p>
+                      <a:pPr algn="l" fontAlgn="ctr">
+                        <a:buNone/>
+                      </a:pPr>
+                      <a:r>
+                        <a:rPr lang="es-ES" sz="800" b="1" i="0" u="none" strike="noStrike" dirty="0">
+                          <a:solidFill>
+                            <a:srgbClr val="000000"/>
+                          </a:solidFill>
+                          <a:effectLst/>
+                          <a:latin typeface="Lucida Console" panose="020B0609040504020204" pitchFamily="49" charset="0"/>
+                        </a:rPr>
+                        <a:t>11NN</a:t>
+                      </a:r>
+                    </a:p>
+                  </a:txBody>
+                  <a:tcPr marL="7620" marR="7620" marT="7620" marB="0" anchor="ctr"/>
+                </a:tc>
+                <a:tc>
+                  <a:txBody>
+                    <a:bodyPr/>
+                    <a:lstStyle/>
+                    <a:p>
+                      <a:pPr algn="l" fontAlgn="ctr">
+                        <a:buNone/>
+                      </a:pPr>
+                      <a:r>
+                        <a:rPr lang="es-ES" sz="800" b="1" i="0" u="none" strike="noStrike" dirty="0">
+                          <a:solidFill>
+                            <a:srgbClr val="000000"/>
+                          </a:solidFill>
+                          <a:effectLst/>
+                          <a:latin typeface="Lucida Console" panose="020B0609040504020204" pitchFamily="49" charset="0"/>
+                        </a:rPr>
+                        <a:t>TRAIN</a:t>
+                      </a:r>
+                    </a:p>
+                  </a:txBody>
+                  <a:tcPr marL="7620" marR="7620" marT="7620" marB="0" anchor="ctr"/>
+                </a:tc>
+                <a:tc>
+                  <a:txBody>
+                    <a:bodyPr/>
+                    <a:lstStyle/>
+                    <a:p>
+                      <a:pPr algn="l" fontAlgn="ctr">
+                        <a:buNone/>
+                      </a:pPr>
+                      <a:r>
+                        <a:rPr lang="es-ES" sz="800" b="1" u="none" strike="noStrike" dirty="0">
+                          <a:effectLst/>
+                        </a:rPr>
+                        <a:t>0,6774347</a:t>
+                      </a:r>
+                      <a:endParaRPr lang="es-ES" sz="800" b="1" i="0" u="none" strike="noStrike" dirty="0">
+                        <a:solidFill>
+                          <a:srgbClr val="000000"/>
+                        </a:solidFill>
+                        <a:effectLst/>
+                        <a:latin typeface="Lucida Console" panose="020B0609040504020204" pitchFamily="49" charset="0"/>
+                      </a:endParaRPr>
+                    </a:p>
+                  </a:txBody>
+                  <a:tcPr marL="7620" marR="7620" marT="7620" marB="0" anchor="ctr"/>
+                </a:tc>
+                <a:tc>
+                  <a:txBody>
+                    <a:bodyPr/>
+                    <a:lstStyle/>
+                    <a:p>
+                      <a:pPr algn="l" fontAlgn="ctr">
+                        <a:buNone/>
+                      </a:pPr>
+                      <a:r>
+                        <a:rPr lang="es-ES" sz="800" b="1" u="none" strike="noStrike" dirty="0">
+                          <a:effectLst/>
+                        </a:rPr>
+                        <a:t>0,3695122</a:t>
+                      </a:r>
+                      <a:endParaRPr lang="es-ES" sz="800" b="1" i="0" u="none" strike="noStrike" dirty="0">
+                        <a:solidFill>
+                          <a:srgbClr val="000000"/>
+                        </a:solidFill>
+                        <a:effectLst/>
+                        <a:latin typeface="Lucida Console" panose="020B0609040504020204" pitchFamily="49" charset="0"/>
+                      </a:endParaRPr>
+                    </a:p>
+                  </a:txBody>
+                  <a:tcPr marL="7620" marR="7620" marT="7620" marB="0" anchor="ctr"/>
+                </a:tc>
+                <a:tc>
+                  <a:txBody>
+                    <a:bodyPr/>
+                    <a:lstStyle/>
+                    <a:p>
+                      <a:pPr algn="l" fontAlgn="ctr">
+                        <a:buNone/>
+                      </a:pPr>
+                      <a:r>
+                        <a:rPr lang="es-ES" sz="800" b="1" u="none" strike="noStrike">
+                          <a:effectLst/>
+                        </a:rPr>
+                        <a:t>0,6516129</a:t>
+                      </a:r>
+                      <a:endParaRPr lang="es-ES" sz="800" b="1" i="0" u="none" strike="noStrike">
+                        <a:solidFill>
+                          <a:srgbClr val="000000"/>
+                        </a:solidFill>
+                        <a:effectLst/>
+                        <a:latin typeface="Lucida Console" panose="020B0609040504020204" pitchFamily="49" charset="0"/>
+                      </a:endParaRPr>
+                    </a:p>
+                  </a:txBody>
+                  <a:tcPr marL="7620" marR="7620" marT="7620" marB="0" anchor="ctr"/>
+                </a:tc>
+                <a:tc>
+                  <a:txBody>
+                    <a:bodyPr/>
+                    <a:lstStyle/>
+                    <a:p>
+                      <a:pPr algn="l" fontAlgn="ctr">
+                        <a:buNone/>
+                      </a:pPr>
+                      <a:r>
+                        <a:rPr lang="es-ES" sz="800" b="1" u="none" strike="noStrike">
+                          <a:effectLst/>
+                        </a:rPr>
+                        <a:t>0,6847651</a:t>
+                      </a:r>
+                      <a:endParaRPr lang="es-ES" sz="800" b="1" i="0" u="none" strike="noStrike">
+                        <a:solidFill>
+                          <a:srgbClr val="000000"/>
+                        </a:solidFill>
+                        <a:effectLst/>
+                        <a:latin typeface="Lucida Console" panose="020B0609040504020204" pitchFamily="49" charset="0"/>
+                      </a:endParaRPr>
+                    </a:p>
+                  </a:txBody>
+                  <a:tcPr marL="7620" marR="7620" marT="7620" marB="0" anchor="ctr"/>
+                </a:tc>
+                <a:tc>
+                  <a:txBody>
+                    <a:bodyPr/>
+                    <a:lstStyle/>
+                    <a:p>
+                      <a:pPr algn="l" fontAlgn="ctr">
+                        <a:buNone/>
+                      </a:pPr>
+                      <a:r>
+                        <a:rPr lang="es-ES" sz="800" b="1" u="none" strike="noStrike">
+                          <a:effectLst/>
+                        </a:rPr>
+                        <a:t>0,4715953</a:t>
+                      </a:r>
+                      <a:endParaRPr lang="es-ES" sz="800" b="1" i="0" u="none" strike="noStrike">
+                        <a:solidFill>
+                          <a:srgbClr val="000000"/>
+                        </a:solidFill>
+                        <a:effectLst/>
+                        <a:latin typeface="Lucida Console" panose="020B0609040504020204" pitchFamily="49" charset="0"/>
+                      </a:endParaRPr>
+                    </a:p>
+                  </a:txBody>
+                  <a:tcPr marL="7620" marR="7620" marT="7620" marB="0" anchor="ctr"/>
+                </a:tc>
+                <a:extLst>
+                  <a:ext uri="{0D108BD9-81ED-4DB2-BD59-A6C34878D82A}">
+                    <a16:rowId xmlns:a16="http://schemas.microsoft.com/office/drawing/2014/main" val="1034197726"/>
+                  </a:ext>
+                </a:extLst>
+              </a:tr>
+              <a:tr h="212653">
+                <a:tc>
+                  <a:txBody>
+                    <a:bodyPr/>
+                    <a:lstStyle/>
+                    <a:p>
+                      <a:pPr algn="l" fontAlgn="ctr">
+                        <a:buNone/>
+                      </a:pPr>
+                      <a:endParaRPr lang="es-ES" sz="800" b="1" i="0" u="none" strike="noStrike" dirty="0">
+                        <a:solidFill>
+                          <a:srgbClr val="000000"/>
+                        </a:solidFill>
+                        <a:effectLst/>
+                        <a:latin typeface="Lucida Console" panose="020B0609040504020204" pitchFamily="49" charset="0"/>
+                      </a:endParaRPr>
+                    </a:p>
+                  </a:txBody>
+                  <a:tcPr marL="7620" marR="7620" marT="7620" marB="0" anchor="ctr"/>
+                </a:tc>
+                <a:tc>
+                  <a:txBody>
+                    <a:bodyPr/>
+                    <a:lstStyle/>
+                    <a:p>
+                      <a:pPr algn="l" fontAlgn="ctr">
+                        <a:buNone/>
+                      </a:pPr>
+                      <a:r>
+                        <a:rPr lang="es-ES" sz="800" b="1" i="0" u="none" strike="noStrike" dirty="0">
+                          <a:solidFill>
+                            <a:srgbClr val="000000"/>
+                          </a:solidFill>
+                          <a:effectLst/>
+                          <a:latin typeface="Lucida Console" panose="020B0609040504020204" pitchFamily="49" charset="0"/>
+                        </a:rPr>
+                        <a:t>TEST</a:t>
+                      </a:r>
+                    </a:p>
+                  </a:txBody>
+                  <a:tcPr marL="7620" marR="7620" marT="7620" marB="0" anchor="ctr"/>
+                </a:tc>
+                <a:tc>
+                  <a:txBody>
+                    <a:bodyPr/>
+                    <a:lstStyle/>
+                    <a:p>
+                      <a:pPr algn="l" fontAlgn="ctr">
+                        <a:buNone/>
+                      </a:pPr>
+                      <a:r>
+                        <a:rPr lang="es-ES" sz="800" b="1" u="none" strike="noStrike" dirty="0">
+                          <a:effectLst/>
+                        </a:rPr>
+                        <a:t> </a:t>
+                      </a:r>
+                      <a:endParaRPr lang="es-ES" sz="800" b="1" i="0" u="none" strike="noStrike" dirty="0">
+                        <a:solidFill>
+                          <a:srgbClr val="000000"/>
+                        </a:solidFill>
+                        <a:effectLst/>
+                        <a:latin typeface="Lucida Console" panose="020B0609040504020204" pitchFamily="49" charset="0"/>
+                      </a:endParaRPr>
+                    </a:p>
+                  </a:txBody>
+                  <a:tcPr marL="7620" marR="7620" marT="7620" marB="0" anchor="ctr"/>
+                </a:tc>
+                <a:tc>
+                  <a:txBody>
+                    <a:bodyPr/>
+                    <a:lstStyle/>
+                    <a:p>
+                      <a:pPr algn="l" fontAlgn="ctr">
+                        <a:buNone/>
+                      </a:pPr>
+                      <a:r>
+                        <a:rPr lang="es-ES" sz="800" b="1" u="none" strike="noStrike" dirty="0">
+                          <a:effectLst/>
+                        </a:rPr>
+                        <a:t> </a:t>
+                      </a:r>
+                      <a:endParaRPr lang="es-ES" sz="800" b="1" i="0" u="none" strike="noStrike" dirty="0">
+                        <a:solidFill>
+                          <a:srgbClr val="000000"/>
+                        </a:solidFill>
+                        <a:effectLst/>
+                        <a:latin typeface="Lucida Console" panose="020B0609040504020204" pitchFamily="49" charset="0"/>
+                      </a:endParaRPr>
+                    </a:p>
+                  </a:txBody>
+                  <a:tcPr marL="7620" marR="7620" marT="7620" marB="0" anchor="ctr"/>
+                </a:tc>
+                <a:tc>
+                  <a:txBody>
+                    <a:bodyPr/>
+                    <a:lstStyle/>
+                    <a:p>
+                      <a:pPr algn="l" fontAlgn="ctr">
+                        <a:buNone/>
+                      </a:pPr>
+                      <a:r>
+                        <a:rPr lang="es-ES" sz="800" b="1" u="none" strike="noStrike" dirty="0">
+                          <a:effectLst/>
+                        </a:rPr>
+                        <a:t> </a:t>
+                      </a:r>
+                      <a:endParaRPr lang="es-ES" sz="800" b="1" i="0" u="none" strike="noStrike" dirty="0">
+                        <a:solidFill>
+                          <a:srgbClr val="000000"/>
+                        </a:solidFill>
+                        <a:effectLst/>
+                        <a:latin typeface="Lucida Console" panose="020B0609040504020204" pitchFamily="49" charset="0"/>
+                      </a:endParaRPr>
+                    </a:p>
+                  </a:txBody>
+                  <a:tcPr marL="7620" marR="7620" marT="7620" marB="0" anchor="ctr"/>
+                </a:tc>
+                <a:tc>
+                  <a:txBody>
+                    <a:bodyPr/>
+                    <a:lstStyle/>
+                    <a:p>
+                      <a:pPr algn="l" fontAlgn="ctr">
+                        <a:buNone/>
+                      </a:pPr>
+                      <a:r>
+                        <a:rPr lang="es-ES" sz="800" b="1" u="none" strike="noStrike">
+                          <a:effectLst/>
+                        </a:rPr>
+                        <a:t> </a:t>
+                      </a:r>
+                      <a:endParaRPr lang="es-ES" sz="800" b="1" i="0" u="none" strike="noStrike">
+                        <a:solidFill>
+                          <a:srgbClr val="000000"/>
+                        </a:solidFill>
+                        <a:effectLst/>
+                        <a:latin typeface="Lucida Console" panose="020B0609040504020204" pitchFamily="49" charset="0"/>
+                      </a:endParaRPr>
+                    </a:p>
+                  </a:txBody>
+                  <a:tcPr marL="7620" marR="7620" marT="7620" marB="0" anchor="ctr"/>
+                </a:tc>
+                <a:tc>
+                  <a:txBody>
+                    <a:bodyPr/>
+                    <a:lstStyle/>
+                    <a:p>
+                      <a:pPr algn="l" fontAlgn="ctr">
+                        <a:buNone/>
+                      </a:pPr>
+                      <a:r>
+                        <a:rPr lang="es-ES" sz="800" b="1" u="none" strike="noStrike" dirty="0">
+                          <a:effectLst/>
+                        </a:rPr>
+                        <a:t> </a:t>
+                      </a:r>
+                      <a:endParaRPr lang="es-ES" sz="800" b="1" i="0" u="none" strike="noStrike" dirty="0">
+                        <a:solidFill>
+                          <a:srgbClr val="000000"/>
+                        </a:solidFill>
+                        <a:effectLst/>
+                        <a:latin typeface="Lucida Console" panose="020B0609040504020204" pitchFamily="49" charset="0"/>
+                      </a:endParaRPr>
+                    </a:p>
+                  </a:txBody>
+                  <a:tcPr marL="7620" marR="7620" marT="7620" marB="0" anchor="ctr"/>
+                </a:tc>
+                <a:extLst>
+                  <a:ext uri="{0D108BD9-81ED-4DB2-BD59-A6C34878D82A}">
+                    <a16:rowId xmlns:a16="http://schemas.microsoft.com/office/drawing/2014/main" val="2001603851"/>
+                  </a:ext>
+                </a:extLst>
+              </a:tr>
+            </a:tbl>
+          </a:graphicData>
+        </a:graphic>
+      </p:graphicFrame>
+      <p:sp>
+        <p:nvSpPr>
+          <p:cNvPr id="7" name="CuadroTexto 6">
+            <a:extLst>
+              <a:ext uri="{FF2B5EF4-FFF2-40B4-BE49-F238E27FC236}">
+                <a16:creationId xmlns:a16="http://schemas.microsoft.com/office/drawing/2014/main" id="{81A3CCAF-C6E4-41D9-E0AD-AA79C88F2390}"/>
+              </a:ext>
+            </a:extLst>
+          </p:cNvPr>
+          <p:cNvSpPr txBox="1"/>
+          <p:nvPr/>
+        </p:nvSpPr>
+        <p:spPr>
+          <a:xfrm>
+            <a:off x="880455" y="2952269"/>
+            <a:ext cx="7726804" cy="1261884"/>
           </a:xfrm>
           <a:prstGeom prst="rect">
             <a:avLst/>
@@ -15050,101 +15806,238 @@
           </a:bodyPr>
           <a:lstStyle/>
           <a:p>
-            <a:pPr marL="285750" indent="-285750">
-              <a:buFont typeface="Arial" panose="020B0604020202020204" pitchFamily="34" charset="0"/>
-              <a:buChar char="•"/>
-            </a:pPr>
-            <a:r>
-              <a:rPr lang="en-GB" b="1" dirty="0" err="1"/>
-              <a:t>Estrategia</a:t>
-            </a:r>
-            <a:r>
-              <a:rPr lang="en-GB" b="1" dirty="0"/>
-              <a:t>:</a:t>
-            </a:r>
-            <a:r>
-              <a:rPr lang="en-GB" dirty="0"/>
-              <a:t> </a:t>
-            </a:r>
-            <a:r>
-              <a:rPr lang="en-GB" dirty="0" err="1"/>
-              <a:t>optimización</a:t>
-            </a:r>
-            <a:r>
-              <a:rPr lang="en-GB" dirty="0"/>
-              <a:t> del </a:t>
-            </a:r>
-            <a:r>
-              <a:rPr lang="en-GB" dirty="0" err="1"/>
-              <a:t>número</a:t>
-            </a:r>
-            <a:r>
-              <a:rPr lang="en-GB" dirty="0"/>
-              <a:t> de </a:t>
-            </a:r>
-            <a:r>
-              <a:rPr lang="en-GB" dirty="0" err="1"/>
-              <a:t>vecinos</a:t>
-            </a:r>
-            <a:r>
-              <a:rPr lang="en-GB" dirty="0"/>
-              <a:t> k=9 con </a:t>
-            </a:r>
-            <a:r>
-              <a:rPr lang="en-GB" b="1" dirty="0" err="1"/>
-              <a:t>validación</a:t>
-            </a:r>
-            <a:r>
-              <a:rPr lang="en-GB" b="1" dirty="0"/>
-              <a:t> </a:t>
-            </a:r>
-            <a:r>
-              <a:rPr lang="en-GB" b="1" dirty="0" err="1"/>
-              <a:t>cruzada</a:t>
-            </a:r>
-            <a:r>
-              <a:rPr lang="en-GB" dirty="0"/>
-              <a:t>.</a:t>
+            <a:r>
+              <a:rPr lang="es-ES" sz="1200" dirty="0"/>
+              <a:t>Ambos fueron modelados aplicando técnicas de balanceo y FAMD sobre el </a:t>
+            </a:r>
+            <a:r>
+              <a:rPr lang="es-ES" sz="1200" dirty="0" err="1"/>
+              <a:t>dataset</a:t>
+            </a:r>
+            <a:r>
+              <a:rPr lang="es-ES" sz="1200" dirty="0"/>
+              <a:t> después de eliminar las variables no significativas. </a:t>
+            </a:r>
+            <a:r>
+              <a:rPr lang="es-ES" b="1" dirty="0"/>
+              <a:t>Se concluye que los datos balanceados y el </a:t>
+            </a:r>
+            <a:r>
+              <a:rPr lang="es-ES" b="1" dirty="0" err="1"/>
+              <a:t>dataset</a:t>
+            </a:r>
+            <a:r>
+              <a:rPr lang="es-ES" b="1" dirty="0"/>
+              <a:t> reducido permiten obtener mejores resultados.</a:t>
+            </a:r>
+            <a:br>
+              <a:rPr lang="es-ES" b="1" dirty="0"/>
+            </a:br>
+            <a:r>
+              <a:rPr lang="es-ES" sz="1200" dirty="0"/>
+              <a:t>Asimismo, se aplicó FAMD en el modelo de </a:t>
+            </a:r>
+            <a:r>
+              <a:rPr lang="es-ES" sz="1200" dirty="0" err="1"/>
+              <a:t>Naive</a:t>
+            </a:r>
+            <a:r>
+              <a:rPr lang="es-ES" sz="1200" dirty="0"/>
+              <a:t> Bayes, donde se obtuvo una ligera mejora en las métricas.</a:t>
             </a:r>
           </a:p>
           <a:p>
-            <a:endParaRPr lang="en-GB" b="1" dirty="0"/>
+            <a:endParaRPr lang="es-ES" sz="1200" dirty="0"/>
           </a:p>
           <a:p>
-            <a:pPr marL="285750" indent="-285750">
-              <a:buFont typeface="Arial" panose="020B0604020202020204" pitchFamily="34" charset="0"/>
-              <a:buChar char="•"/>
-            </a:pPr>
-            <a:r>
-              <a:rPr lang="en-GB" dirty="0" err="1"/>
-              <a:t>Transformación</a:t>
-            </a:r>
-            <a:r>
-              <a:rPr lang="en-GB" dirty="0"/>
-              <a:t> de variables </a:t>
-            </a:r>
-            <a:r>
-              <a:rPr lang="en-GB" dirty="0" err="1"/>
-              <a:t>mediante</a:t>
-            </a:r>
-            <a:r>
-              <a:rPr lang="en-GB" dirty="0"/>
+            <a:r>
+              <a:rPr lang="es-ES" sz="1200" i="1" dirty="0"/>
+              <a:t>Excel donde contiene todas las modelaciones</a:t>
+            </a:r>
+            <a:endParaRPr lang="ca-ES" sz="1200" i="1" dirty="0"/>
+          </a:p>
+        </p:txBody>
+      </p:sp>
+      <p:sp>
+        <p:nvSpPr>
+          <p:cNvPr id="9" name="Flecha: hacia la izquierda 8">
+            <a:extLst>
+              <a:ext uri="{FF2B5EF4-FFF2-40B4-BE49-F238E27FC236}">
+                <a16:creationId xmlns:a16="http://schemas.microsoft.com/office/drawing/2014/main" id="{E32D4F94-312B-EE17-A8AF-487286291F95}"/>
+              </a:ext>
+            </a:extLst>
+          </p:cNvPr>
+          <p:cNvSpPr/>
+          <p:nvPr/>
+        </p:nvSpPr>
+        <p:spPr>
+          <a:xfrm rot="20806772">
+            <a:off x="6271515" y="1238297"/>
+            <a:ext cx="1801094" cy="398705"/>
+          </a:xfrm>
+          <a:prstGeom prst="leftArrow">
+            <a:avLst/>
+          </a:prstGeom>
+        </p:spPr>
+        <p:style>
+          <a:lnRef idx="2">
+            <a:schemeClr val="accent1">
+              <a:shade val="15000"/>
+            </a:schemeClr>
+          </a:lnRef>
+          <a:fillRef idx="1">
+            <a:schemeClr val="accent1"/>
+          </a:fillRef>
+          <a:effectRef idx="0">
+            <a:schemeClr val="accent1"/>
+          </a:effectRef>
+          <a:fontRef idx="minor">
+            <a:schemeClr val="lt1"/>
+          </a:fontRef>
+        </p:style>
+        <p:txBody>
+          <a:bodyPr rtlCol="0" anchor="ctr"/>
+          <a:lstStyle/>
+          <a:p>
+            <a:pPr algn="ctr"/>
+            <a:r>
+              <a:rPr lang="ca-ES" dirty="0"/>
+              <a:t>No </a:t>
+            </a:r>
+            <a:r>
+              <a:rPr lang="ca-ES" dirty="0" err="1"/>
+              <a:t>overfitting</a:t>
+            </a:r>
+            <a:endParaRPr lang="ca-ES" dirty="0"/>
+          </a:p>
+        </p:txBody>
+      </p:sp>
+      <p:sp>
+        <p:nvSpPr>
+          <p:cNvPr id="10" name="Flecha: hacia la izquierda 9">
+            <a:extLst>
+              <a:ext uri="{FF2B5EF4-FFF2-40B4-BE49-F238E27FC236}">
+                <a16:creationId xmlns:a16="http://schemas.microsoft.com/office/drawing/2014/main" id="{30EA3D06-3E8A-35F2-EE24-B5FE58BF87F5}"/>
+              </a:ext>
+            </a:extLst>
+          </p:cNvPr>
+          <p:cNvSpPr/>
+          <p:nvPr/>
+        </p:nvSpPr>
+        <p:spPr>
+          <a:xfrm>
+            <a:off x="6249790" y="1916484"/>
+            <a:ext cx="2058003" cy="386355"/>
+          </a:xfrm>
+          <a:prstGeom prst="leftArrow">
+            <a:avLst/>
+          </a:prstGeom>
+        </p:spPr>
+        <p:style>
+          <a:lnRef idx="1">
+            <a:schemeClr val="accent2"/>
+          </a:lnRef>
+          <a:fillRef idx="3">
+            <a:schemeClr val="accent2"/>
+          </a:fillRef>
+          <a:effectRef idx="2">
+            <a:schemeClr val="accent2"/>
+          </a:effectRef>
+          <a:fontRef idx="minor">
+            <a:schemeClr val="lt1"/>
+          </a:fontRef>
+        </p:style>
+        <p:txBody>
+          <a:bodyPr rtlCol="0" anchor="ctr"/>
+          <a:lstStyle/>
+          <a:p>
+            <a:pPr algn="ctr"/>
+            <a:r>
+              <a:rPr lang="ca-ES" dirty="0" err="1">
+                <a:solidFill>
+                  <a:srgbClr val="FF0000"/>
+                </a:solidFill>
+              </a:rPr>
+              <a:t>Bad</a:t>
+            </a:r>
+            <a:r>
+              <a:rPr lang="ca-ES" dirty="0">
+                <a:solidFill>
+                  <a:srgbClr val="FF0000"/>
+                </a:solidFill>
+              </a:rPr>
               <a:t> </a:t>
             </a:r>
             <a:r>
-              <a:rPr lang="en-GB" b="1" dirty="0"/>
-              <a:t>FAMD</a:t>
+              <a:rPr lang="ca-ES" dirty="0" err="1">
+                <a:solidFill>
+                  <a:srgbClr val="FF0000"/>
+                </a:solidFill>
+              </a:rPr>
+              <a:t>results</a:t>
+            </a:r>
+            <a:r>
+              <a:rPr lang="ca-ES" dirty="0">
+                <a:solidFill>
+                  <a:srgbClr val="FF0000"/>
+                </a:solidFill>
+              </a:rPr>
+              <a:t> F1&lt;0,5</a:t>
             </a:r>
           </a:p>
+        </p:txBody>
+      </p:sp>
+      <p:sp>
+        <p:nvSpPr>
+          <p:cNvPr id="11" name="Flecha: hacia la izquierda 10">
+            <a:extLst>
+              <a:ext uri="{FF2B5EF4-FFF2-40B4-BE49-F238E27FC236}">
+                <a16:creationId xmlns:a16="http://schemas.microsoft.com/office/drawing/2014/main" id="{CFFE41BB-F807-C3F1-8B1F-DD6D9FA1A79E}"/>
+              </a:ext>
+            </a:extLst>
+          </p:cNvPr>
+          <p:cNvSpPr/>
+          <p:nvPr/>
+        </p:nvSpPr>
+        <p:spPr>
+          <a:xfrm rot="492119">
+            <a:off x="6336374" y="2563451"/>
+            <a:ext cx="2023583" cy="386354"/>
+          </a:xfrm>
+          <a:prstGeom prst="leftArrow">
+            <a:avLst/>
+          </a:prstGeom>
+        </p:spPr>
+        <p:style>
+          <a:lnRef idx="1">
+            <a:schemeClr val="dk1"/>
+          </a:lnRef>
+          <a:fillRef idx="2">
+            <a:schemeClr val="dk1"/>
+          </a:fillRef>
+          <a:effectRef idx="1">
+            <a:schemeClr val="dk1"/>
+          </a:effectRef>
+          <a:fontRef idx="minor">
+            <a:schemeClr val="dk1"/>
+          </a:fontRef>
+        </p:style>
+        <p:txBody>
+          <a:bodyPr rtlCol="0" anchor="ctr"/>
+          <a:lstStyle/>
           <a:p>
-            <a:endParaRPr lang="en-GB" b="1" dirty="0"/>
+            <a:pPr algn="ctr"/>
+            <a:r>
+              <a:rPr lang="ca-ES" dirty="0"/>
+              <a:t>CROSS VALIDATION</a:t>
+            </a:r>
           </a:p>
         </p:txBody>
       </p:sp>
     </p:spTree>
     <p:extLst>
       <p:ext uri="{BB962C8B-B14F-4D97-AF65-F5344CB8AC3E}">
-        <p14:creationId xmlns:p14="http://schemas.microsoft.com/office/powerpoint/2010/main" val="224675658"/>
+        <p14:creationId xmlns:p14="http://schemas.microsoft.com/office/powerpoint/2010/main" val="3809761564"/>
       </p:ext>
     </p:extLst>
   </p:cSld>
@@ -15155,581 +16048,6 @@
 </file>
 
 <file path=ppt/slides/slide15.xml><?xml version="1.0" encoding="utf-8"?>
-<p:sld xmlns:a="http://schemas.openxmlformats.org/drawingml/2006/main" xmlns:r="http://schemas.openxmlformats.org/officeDocument/2006/relationships" xmlns:p="http://schemas.openxmlformats.org/presentationml/2006/main">
-  <p:cSld>
-    <p:spTree>
-      <p:nvGrpSpPr>
-        <p:cNvPr id="1" name="Shape 620">
-          <a:extLst>
-            <a:ext uri="{FF2B5EF4-FFF2-40B4-BE49-F238E27FC236}">
-              <a16:creationId xmlns:a16="http://schemas.microsoft.com/office/drawing/2014/main" id="{82037480-09F2-8CFA-AAA9-F29302E509B0}"/>
-            </a:ext>
-          </a:extLst>
-        </p:cNvPr>
-        <p:cNvGrpSpPr/>
-        <p:nvPr/>
-      </p:nvGrpSpPr>
-      <p:grpSpPr>
-        <a:xfrm>
-          <a:off x="0" y="0"/>
-          <a:ext cx="0" cy="0"/>
-          <a:chOff x="0" y="0"/>
-          <a:chExt cx="0" cy="0"/>
-        </a:xfrm>
-      </p:grpSpPr>
-      <p:sp>
-        <p:nvSpPr>
-          <p:cNvPr id="633" name="Google Shape;633;p34">
-            <a:extLst>
-              <a:ext uri="{FF2B5EF4-FFF2-40B4-BE49-F238E27FC236}">
-                <a16:creationId xmlns:a16="http://schemas.microsoft.com/office/drawing/2014/main" id="{D5FA695C-D432-E93D-0A83-17103D7F6957}"/>
-              </a:ext>
-            </a:extLst>
-          </p:cNvPr>
-          <p:cNvSpPr txBox="1">
-            <a:spLocks noGrp="1"/>
-          </p:cNvSpPr>
-          <p:nvPr>
-            <p:ph type="title"/>
-          </p:nvPr>
-        </p:nvSpPr>
-        <p:spPr>
-          <a:xfrm>
-            <a:off x="258185" y="539500"/>
-            <a:ext cx="8616874" cy="572700"/>
-          </a:xfrm>
-          <a:prstGeom prst="rect">
-            <a:avLst/>
-          </a:prstGeom>
-        </p:spPr>
-        <p:txBody>
-          <a:bodyPr spcFirstLastPara="1" wrap="square" lIns="91425" tIns="91425" rIns="91425" bIns="91425" anchor="t" anchorCtr="0">
-            <a:noAutofit/>
-          </a:bodyPr>
-          <a:lstStyle/>
-          <a:p>
-            <a:pPr lvl="0"/>
-            <a:r>
-              <a:rPr lang="es-ES" dirty="0"/>
-              <a:t>MODELO 2: Clasificador </a:t>
-            </a:r>
-            <a:r>
-              <a:rPr lang="es-ES" dirty="0" err="1"/>
-              <a:t>Naive</a:t>
-            </a:r>
-            <a:r>
-              <a:rPr lang="es-ES" dirty="0"/>
-              <a:t> Bayes</a:t>
-            </a:r>
-            <a:endParaRPr dirty="0"/>
-          </a:p>
-        </p:txBody>
-      </p:sp>
-      <p:sp>
-        <p:nvSpPr>
-          <p:cNvPr id="5" name="TextBox 4">
-            <a:extLst>
-              <a:ext uri="{FF2B5EF4-FFF2-40B4-BE49-F238E27FC236}">
-                <a16:creationId xmlns:a16="http://schemas.microsoft.com/office/drawing/2014/main" id="{786CA551-B91B-7B24-6F0F-925EE096618D}"/>
-              </a:ext>
-            </a:extLst>
-          </p:cNvPr>
-          <p:cNvSpPr txBox="1"/>
-          <p:nvPr/>
-        </p:nvSpPr>
-        <p:spPr>
-          <a:xfrm>
-            <a:off x="258185" y="1346938"/>
-            <a:ext cx="4572000" cy="2246769"/>
-          </a:xfrm>
-          <a:prstGeom prst="rect">
-            <a:avLst/>
-          </a:prstGeom>
-          <a:noFill/>
-        </p:spPr>
-        <p:txBody>
-          <a:bodyPr wrap="square">
-            <a:spAutoFit/>
-          </a:bodyPr>
-          <a:lstStyle/>
-          <a:p>
-            <a:pPr marL="285750" indent="-285750">
-              <a:buFont typeface="Arial" panose="020B0604020202020204" pitchFamily="34" charset="0"/>
-              <a:buChar char="•"/>
-            </a:pPr>
-            <a:r>
-              <a:rPr lang="en-GB" b="1" dirty="0" err="1"/>
-              <a:t>Estrategia</a:t>
-            </a:r>
-            <a:r>
-              <a:rPr lang="en-GB" b="1" dirty="0"/>
-              <a:t>: </a:t>
-            </a:r>
-            <a:r>
-              <a:rPr lang="en-GB" dirty="0" err="1"/>
-              <a:t>validación</a:t>
-            </a:r>
-            <a:r>
-              <a:rPr lang="en-GB" dirty="0"/>
-              <a:t> </a:t>
-            </a:r>
-            <a:r>
-              <a:rPr lang="en-GB" dirty="0" err="1"/>
-              <a:t>cruzada</a:t>
-            </a:r>
-            <a:r>
-              <a:rPr lang="en-GB" dirty="0"/>
-              <a:t> </a:t>
-            </a:r>
-            <a:r>
-              <a:rPr lang="en-GB" dirty="0" err="1"/>
-              <a:t>repetida</a:t>
-            </a:r>
-            <a:r>
-              <a:rPr lang="en-GB" dirty="0"/>
-              <a:t> y </a:t>
-            </a:r>
-            <a:r>
-              <a:rPr lang="en-GB" dirty="0" err="1"/>
-              <a:t>balanceo</a:t>
-            </a:r>
-            <a:r>
-              <a:rPr lang="en-GB" dirty="0"/>
-              <a:t> de </a:t>
-            </a:r>
-            <a:r>
-              <a:rPr lang="en-GB" dirty="0" err="1"/>
-              <a:t>clases</a:t>
-            </a:r>
-            <a:r>
-              <a:rPr lang="en-GB" dirty="0"/>
-              <a:t>.</a:t>
-            </a:r>
-          </a:p>
-          <a:p>
-            <a:endParaRPr lang="en-GB" dirty="0"/>
-          </a:p>
-          <a:p>
-            <a:pPr marL="285750" indent="-285750">
-              <a:buFont typeface="Arial" panose="020B0604020202020204" pitchFamily="34" charset="0"/>
-              <a:buChar char="•"/>
-            </a:pPr>
-            <a:r>
-              <a:rPr lang="en-GB" dirty="0" err="1">
-                <a:solidFill>
-                  <a:schemeClr val="tx1"/>
-                </a:solidFill>
-              </a:rPr>
-              <a:t>Reducción</a:t>
-            </a:r>
-            <a:r>
-              <a:rPr lang="en-GB" dirty="0">
-                <a:solidFill>
-                  <a:schemeClr val="tx1"/>
-                </a:solidFill>
-              </a:rPr>
-              <a:t> de </a:t>
-            </a:r>
-            <a:r>
-              <a:rPr lang="en-GB" dirty="0" err="1">
-                <a:solidFill>
-                  <a:schemeClr val="tx1"/>
-                </a:solidFill>
-              </a:rPr>
-              <a:t>dimensionalidad</a:t>
-            </a:r>
-            <a:r>
-              <a:rPr lang="en-GB" dirty="0">
-                <a:solidFill>
-                  <a:schemeClr val="tx1"/>
-                </a:solidFill>
-              </a:rPr>
-              <a:t> </a:t>
-            </a:r>
-            <a:r>
-              <a:rPr lang="en-GB" dirty="0" err="1">
-                <a:solidFill>
-                  <a:schemeClr val="tx1"/>
-                </a:solidFill>
-              </a:rPr>
-              <a:t>por</a:t>
-            </a:r>
-            <a:r>
-              <a:rPr lang="en-GB" dirty="0">
-                <a:solidFill>
-                  <a:schemeClr val="tx1"/>
-                </a:solidFill>
-              </a:rPr>
-              <a:t> </a:t>
-            </a:r>
-            <a:r>
-              <a:rPr lang="en-GB" dirty="0" err="1">
-                <a:solidFill>
-                  <a:schemeClr val="tx1"/>
-                </a:solidFill>
-              </a:rPr>
-              <a:t>selección</a:t>
-            </a:r>
-            <a:r>
-              <a:rPr lang="en-GB" dirty="0">
-                <a:solidFill>
-                  <a:schemeClr val="tx1"/>
-                </a:solidFill>
-              </a:rPr>
-              <a:t> </a:t>
-            </a:r>
-            <a:r>
-              <a:rPr lang="en-GB" dirty="0" err="1">
-                <a:solidFill>
-                  <a:schemeClr val="tx1"/>
-                </a:solidFill>
-              </a:rPr>
-              <a:t>según</a:t>
-            </a:r>
-            <a:r>
-              <a:rPr lang="en-GB" dirty="0">
-                <a:solidFill>
-                  <a:schemeClr val="tx1"/>
-                </a:solidFill>
-              </a:rPr>
-              <a:t> </a:t>
-            </a:r>
-            <a:r>
-              <a:rPr lang="en-GB" b="1" dirty="0" err="1">
-                <a:solidFill>
-                  <a:schemeClr val="tx1"/>
-                </a:solidFill>
-              </a:rPr>
-              <a:t>relevancia</a:t>
-            </a:r>
-            <a:r>
-              <a:rPr lang="en-GB" b="1" dirty="0">
-                <a:solidFill>
-                  <a:schemeClr val="tx1"/>
-                </a:solidFill>
-              </a:rPr>
-              <a:t> de </a:t>
-            </a:r>
-            <a:r>
-              <a:rPr lang="en-GB" b="1" dirty="0" err="1">
-                <a:solidFill>
-                  <a:schemeClr val="tx1"/>
-                </a:solidFill>
-              </a:rPr>
-              <a:t>atributos</a:t>
-            </a:r>
-            <a:r>
-              <a:rPr lang="en-GB" dirty="0">
-                <a:solidFill>
-                  <a:schemeClr val="tx1"/>
-                </a:solidFill>
-              </a:rPr>
-              <a:t>.</a:t>
-            </a:r>
-          </a:p>
-          <a:p>
-            <a:endParaRPr lang="en-GB" dirty="0">
-              <a:solidFill>
-                <a:schemeClr val="tx1"/>
-              </a:solidFill>
-            </a:endParaRPr>
-          </a:p>
-          <a:p>
-            <a:pPr marL="285750" indent="-285750">
-              <a:buFont typeface="Arial" panose="020B0604020202020204" pitchFamily="34" charset="0"/>
-              <a:buChar char="•"/>
-            </a:pPr>
-            <a:r>
-              <a:rPr lang="en-GB" dirty="0" err="1">
-                <a:solidFill>
-                  <a:schemeClr val="tx1"/>
-                </a:solidFill>
-              </a:rPr>
-              <a:t>Predictoras</a:t>
-            </a:r>
-            <a:r>
-              <a:rPr lang="en-GB" dirty="0">
-                <a:solidFill>
-                  <a:schemeClr val="tx1"/>
-                </a:solidFill>
-              </a:rPr>
-              <a:t> </a:t>
-            </a:r>
-            <a:r>
-              <a:rPr lang="en-GB" dirty="0" err="1">
-                <a:solidFill>
-                  <a:schemeClr val="tx1"/>
-                </a:solidFill>
-              </a:rPr>
-              <a:t>participantes</a:t>
-            </a:r>
-            <a:r>
-              <a:rPr lang="en-GB" dirty="0">
-                <a:solidFill>
-                  <a:schemeClr val="tx1"/>
-                </a:solidFill>
-              </a:rPr>
-              <a:t>: "Geography”, "Gender”, "</a:t>
-            </a:r>
-            <a:r>
-              <a:rPr lang="en-GB" dirty="0" err="1">
-                <a:solidFill>
-                  <a:schemeClr val="tx1"/>
-                </a:solidFill>
-              </a:rPr>
-              <a:t>IsActiveMember</a:t>
-            </a:r>
-            <a:r>
-              <a:rPr lang="en-GB" dirty="0">
-                <a:solidFill>
-                  <a:schemeClr val="tx1"/>
-                </a:solidFill>
-              </a:rPr>
-              <a:t>”, "</a:t>
-            </a:r>
-            <a:r>
-              <a:rPr lang="en-GB" dirty="0" err="1">
-                <a:solidFill>
-                  <a:schemeClr val="tx1"/>
-                </a:solidFill>
-              </a:rPr>
-              <a:t>NumOfProducts_grupo</a:t>
-            </a:r>
-            <a:r>
-              <a:rPr lang="en-GB" dirty="0">
-                <a:solidFill>
-                  <a:schemeClr val="tx1"/>
-                </a:solidFill>
-              </a:rPr>
-              <a:t>”, "Age"            "Balance”.</a:t>
-            </a:r>
-          </a:p>
-          <a:p>
-            <a:endParaRPr lang="en-GB" dirty="0">
-              <a:solidFill>
-                <a:schemeClr val="tx1"/>
-              </a:solidFill>
-            </a:endParaRPr>
-          </a:p>
-        </p:txBody>
-      </p:sp>
-      <p:pic>
-        <p:nvPicPr>
-          <p:cNvPr id="8" name="Picture 7">
-            <a:extLst>
-              <a:ext uri="{FF2B5EF4-FFF2-40B4-BE49-F238E27FC236}">
-                <a16:creationId xmlns:a16="http://schemas.microsoft.com/office/drawing/2014/main" id="{CC46BCDD-9A79-E182-E4F0-F8D75C3367C7}"/>
-              </a:ext>
-            </a:extLst>
-          </p:cNvPr>
-          <p:cNvPicPr>
-            <a:picLocks noChangeAspect="1"/>
-          </p:cNvPicPr>
-          <p:nvPr/>
-        </p:nvPicPr>
-        <p:blipFill>
-          <a:blip r:embed="rId3"/>
-          <a:stretch>
-            <a:fillRect/>
-          </a:stretch>
-        </p:blipFill>
-        <p:spPr>
-          <a:xfrm>
-            <a:off x="680422" y="3995997"/>
-            <a:ext cx="7772400" cy="712853"/>
-          </a:xfrm>
-          <a:prstGeom prst="rect">
-            <a:avLst/>
-          </a:prstGeom>
-        </p:spPr>
-      </p:pic>
-      <p:sp>
-        <p:nvSpPr>
-          <p:cNvPr id="9" name="TextBox 8">
-            <a:extLst>
-              <a:ext uri="{FF2B5EF4-FFF2-40B4-BE49-F238E27FC236}">
-                <a16:creationId xmlns:a16="http://schemas.microsoft.com/office/drawing/2014/main" id="{7B3A1467-6A88-9633-FDEE-F929D925F9D7}"/>
-              </a:ext>
-            </a:extLst>
-          </p:cNvPr>
-          <p:cNvSpPr txBox="1"/>
-          <p:nvPr/>
-        </p:nvSpPr>
-        <p:spPr>
-          <a:xfrm>
-            <a:off x="3894931" y="3641078"/>
-            <a:ext cx="1060383" cy="523220"/>
-          </a:xfrm>
-          <a:prstGeom prst="rect">
-            <a:avLst/>
-          </a:prstGeom>
-          <a:noFill/>
-        </p:spPr>
-        <p:txBody>
-          <a:bodyPr wrap="square">
-            <a:spAutoFit/>
-          </a:bodyPr>
-          <a:lstStyle/>
-          <a:p>
-            <a:pPr marL="285750" indent="-285750">
-              <a:buFont typeface="Arial" panose="020B0604020202020204" pitchFamily="34" charset="0"/>
-              <a:buChar char="•"/>
-            </a:pPr>
-            <a:r>
-              <a:rPr lang="en-GB" b="1" dirty="0"/>
-              <a:t>KPIs:</a:t>
-            </a:r>
-            <a:endParaRPr lang="en-GB" dirty="0">
-              <a:solidFill>
-                <a:schemeClr val="tx1"/>
-              </a:solidFill>
-            </a:endParaRPr>
-          </a:p>
-          <a:p>
-            <a:endParaRPr lang="en-GB" dirty="0">
-              <a:solidFill>
-                <a:schemeClr val="tx1"/>
-              </a:solidFill>
-            </a:endParaRPr>
-          </a:p>
-        </p:txBody>
-      </p:sp>
-      <p:pic>
-        <p:nvPicPr>
-          <p:cNvPr id="13" name="Picture 12" descr="A person with a churn&#10;&#10;Description automatically generated with medium confidence">
-            <a:extLst>
-              <a:ext uri="{FF2B5EF4-FFF2-40B4-BE49-F238E27FC236}">
-                <a16:creationId xmlns:a16="http://schemas.microsoft.com/office/drawing/2014/main" id="{0F5BE09C-8D5B-A831-CCBC-B58BB3536016}"/>
-              </a:ext>
-            </a:extLst>
-          </p:cNvPr>
-          <p:cNvPicPr>
-            <a:picLocks noChangeAspect="1"/>
-          </p:cNvPicPr>
-          <p:nvPr/>
-        </p:nvPicPr>
-        <p:blipFill>
-          <a:blip r:embed="rId4"/>
-          <a:stretch>
-            <a:fillRect/>
-          </a:stretch>
-        </p:blipFill>
-        <p:spPr>
-          <a:xfrm>
-            <a:off x="5178496" y="1300006"/>
-            <a:ext cx="3274326" cy="1170316"/>
-          </a:xfrm>
-          <a:prstGeom prst="rect">
-            <a:avLst/>
-          </a:prstGeom>
-        </p:spPr>
-      </p:pic>
-      <p:sp>
-        <p:nvSpPr>
-          <p:cNvPr id="14" name="TextBox 13">
-            <a:extLst>
-              <a:ext uri="{FF2B5EF4-FFF2-40B4-BE49-F238E27FC236}">
-                <a16:creationId xmlns:a16="http://schemas.microsoft.com/office/drawing/2014/main" id="{B15D0492-8CAF-7CDB-665F-22045C4E76F5}"/>
-              </a:ext>
-            </a:extLst>
-          </p:cNvPr>
-          <p:cNvSpPr txBox="1"/>
-          <p:nvPr/>
-        </p:nvSpPr>
-        <p:spPr>
-          <a:xfrm>
-            <a:off x="5178496" y="2829525"/>
-            <a:ext cx="3106461" cy="738664"/>
-          </a:xfrm>
-          <a:prstGeom prst="rect">
-            <a:avLst/>
-          </a:prstGeom>
-          <a:noFill/>
-        </p:spPr>
-        <p:txBody>
-          <a:bodyPr wrap="square">
-            <a:spAutoFit/>
-          </a:bodyPr>
-          <a:lstStyle/>
-          <a:p>
-            <a:pPr marL="285750" indent="-285750">
-              <a:buFont typeface="Arial" panose="020B0604020202020204" pitchFamily="34" charset="0"/>
-              <a:buChar char="•"/>
-            </a:pPr>
-            <a:r>
-              <a:rPr lang="en-GB" dirty="0"/>
-              <a:t>El </a:t>
-            </a:r>
-            <a:r>
-              <a:rPr lang="en-GB" dirty="0" err="1"/>
-              <a:t>modelo</a:t>
-            </a:r>
-            <a:r>
-              <a:rPr lang="en-GB" dirty="0"/>
-              <a:t> </a:t>
-            </a:r>
-            <a:r>
-              <a:rPr lang="en-GB" dirty="0" err="1"/>
-              <a:t>detecta</a:t>
-            </a:r>
-            <a:r>
-              <a:rPr lang="en-GB" dirty="0"/>
-              <a:t> un 67% de </a:t>
-            </a:r>
-            <a:r>
-              <a:rPr lang="en-GB" dirty="0" err="1"/>
-              <a:t>los</a:t>
-            </a:r>
-            <a:r>
-              <a:rPr lang="en-GB" dirty="0"/>
-              <a:t> </a:t>
-            </a:r>
-            <a:r>
-              <a:rPr lang="en-GB" dirty="0" err="1"/>
-              <a:t>casos</a:t>
-            </a:r>
-            <a:r>
-              <a:rPr lang="en-GB" dirty="0"/>
-              <a:t> que </a:t>
-            </a:r>
-            <a:r>
-              <a:rPr lang="en-GB" dirty="0" err="1"/>
-              <a:t>abandonan</a:t>
-            </a:r>
-            <a:r>
-              <a:rPr lang="en-GB" dirty="0"/>
-              <a:t> la </a:t>
-            </a:r>
-            <a:r>
-              <a:rPr lang="en-GB" dirty="0" err="1"/>
-              <a:t>entidad</a:t>
-            </a:r>
-            <a:r>
-              <a:rPr lang="en-GB" dirty="0"/>
-              <a:t> </a:t>
-            </a:r>
-            <a:r>
-              <a:rPr lang="en-GB" dirty="0" err="1"/>
-              <a:t>bancaria</a:t>
-            </a:r>
-            <a:endParaRPr lang="en-GB" dirty="0"/>
-          </a:p>
-        </p:txBody>
-      </p:sp>
-    </p:spTree>
-    <p:extLst>
-      <p:ext uri="{BB962C8B-B14F-4D97-AF65-F5344CB8AC3E}">
-        <p14:creationId xmlns:p14="http://schemas.microsoft.com/office/powerpoint/2010/main" val="2016856145"/>
-      </p:ext>
-    </p:extLst>
-  </p:cSld>
-  <p:clrMapOvr>
-    <a:masterClrMapping/>
-  </p:clrMapOvr>
-</p:sld>
-</file>
-
-<file path=ppt/slides/slide16.xml><?xml version="1.0" encoding="utf-8"?>
 <p:sld xmlns:a="http://schemas.openxmlformats.org/drawingml/2006/main" xmlns:r="http://schemas.openxmlformats.org/officeDocument/2006/relationships" xmlns:p="http://schemas.openxmlformats.org/presentationml/2006/main">
   <p:cSld>
     <p:spTree>
@@ -16080,13 +16398,13 @@
               <a:buChar char="§"/>
             </a:pPr>
             <a:r>
-              <a:rPr lang="es-ES" sz="1200" b="1" dirty="0"/>
+              <a:rPr lang="es-ES" sz="1200" b="1" strike="sngStrike" dirty="0"/>
               <a:t>KPI de negocio:</a:t>
             </a:r>
           </a:p>
           <a:p>
             <a:r>
-              <a:rPr lang="es-ES" sz="1200" dirty="0"/>
+              <a:rPr lang="es-ES" sz="1200" strike="sngStrike" dirty="0"/>
               <a:t>Tasa de retención</a:t>
             </a:r>
           </a:p>
@@ -16187,7 +16505,7 @@
         <p:spPr>
           <a:xfrm>
             <a:off x="720000" y="1269402"/>
-            <a:ext cx="7154598" cy="2462213"/>
+            <a:ext cx="7154598" cy="3139321"/>
           </a:xfrm>
           <a:prstGeom prst="rect">
             <a:avLst/>
@@ -16344,6 +16662,30 @@
               <a:t>Metadata</a:t>
             </a:r>
             <a:endParaRPr lang="es-ES" dirty="0">
+              <a:solidFill>
+                <a:srgbClr val="0070C0"/>
+              </a:solidFill>
+            </a:endParaRPr>
+          </a:p>
+          <a:p>
+            <a:pPr lvl="1"/>
+            <a:endParaRPr lang="es-ES" dirty="0">
+              <a:solidFill>
+                <a:srgbClr val="0070C0"/>
+              </a:solidFill>
+            </a:endParaRPr>
+          </a:p>
+          <a:p>
+            <a:pPr lvl="1"/>
+            <a:r>
+              <a:rPr lang="es-ES" dirty="0"/>
+              <a:t>Un primer análisis exploratorio de los NA evidenció que todas las variables (excepto ID) </a:t>
+            </a:r>
+            <a:r>
+              <a:rPr lang="es-ES" sz="1600" b="1" dirty="0"/>
+              <a:t>tenían un 30% de valores faltantes.</a:t>
+            </a:r>
+            <a:endParaRPr lang="es-ES" sz="1600" b="1" dirty="0">
               <a:solidFill>
                 <a:srgbClr val="0070C0"/>
               </a:solidFill>
@@ -16369,7 +16711,7 @@
         </p:nvSpPr>
         <p:spPr>
           <a:xfrm>
-            <a:off x="817581" y="3861995"/>
+            <a:off x="811821" y="4234668"/>
             <a:ext cx="6970955" cy="738664"/>
           </a:xfrm>
           <a:prstGeom prst="rect">
@@ -16748,8 +17090,8 @@
         </p:nvSpPr>
         <p:spPr>
           <a:xfrm>
-            <a:off x="4572000" y="1370384"/>
-            <a:ext cx="4227755" cy="954107"/>
+            <a:off x="4572001" y="1674840"/>
+            <a:ext cx="3852000" cy="954107"/>
           </a:xfrm>
           <a:prstGeom prst="rect">
             <a:avLst/>
@@ -16762,6 +17104,7 @@
           </a:bodyPr>
           <a:lstStyle/>
           <a:p>
+            <a:pPr algn="just"/>
             <a:r>
               <a:rPr lang="es-ES" dirty="0"/>
               <a:t>Entre variables numéricas únicamente se ha encontrado correlaciones significativas entre </a:t>
@@ -16793,12 +17136,135 @@
           </a:p>
         </p:txBody>
       </p:sp>
+      <p:sp>
+        <p:nvSpPr>
+          <p:cNvPr id="9" name="CuadroTexto 8">
+            <a:extLst>
+              <a:ext uri="{FF2B5EF4-FFF2-40B4-BE49-F238E27FC236}">
+                <a16:creationId xmlns:a16="http://schemas.microsoft.com/office/drawing/2014/main" id="{DF775A01-8C66-64FB-3CC2-F9073BE005FF}"/>
+              </a:ext>
+            </a:extLst>
+          </p:cNvPr>
+          <p:cNvSpPr txBox="1"/>
+          <p:nvPr/>
+        </p:nvSpPr>
+        <p:spPr>
+          <a:xfrm>
+            <a:off x="4572000" y="3191587"/>
+            <a:ext cx="3706368" cy="1600438"/>
+          </a:xfrm>
+          <a:prstGeom prst="rect">
+            <a:avLst/>
+          </a:prstGeom>
+          <a:noFill/>
+        </p:spPr>
+        <p:txBody>
+          <a:bodyPr wrap="square" rtlCol="0">
+            <a:spAutoFit/>
+          </a:bodyPr>
+          <a:lstStyle/>
+          <a:p>
+            <a:pPr algn="just"/>
+            <a:r>
+              <a:rPr lang="es-ES" sz="1200" dirty="0"/>
+              <a:t>Respecto a un </a:t>
+            </a:r>
+            <a:r>
+              <a:rPr lang="es-ES" sz="1200" b="1" dirty="0"/>
+              <a:t>análisis bivariante </a:t>
+            </a:r>
+            <a:r>
+              <a:rPr lang="es-ES" sz="1200" dirty="0"/>
+              <a:t>de </a:t>
+            </a:r>
+            <a:r>
+              <a:rPr lang="es-ES" sz="1200" dirty="0" err="1"/>
+              <a:t>Exited</a:t>
+            </a:r>
+            <a:r>
+              <a:rPr lang="es-ES" sz="1200" dirty="0"/>
+              <a:t> con las categóricas, únicamente se ha encontrado diferencias proporcionales en las variables </a:t>
+            </a:r>
+            <a:r>
+              <a:rPr lang="es-ES" b="1" dirty="0" err="1">
+                <a:solidFill>
+                  <a:srgbClr val="FF0000"/>
+                </a:solidFill>
+              </a:rPr>
+              <a:t>Geography</a:t>
+            </a:r>
+            <a:r>
+              <a:rPr lang="es-ES" b="1" dirty="0">
+                <a:solidFill>
+                  <a:srgbClr val="FF0000"/>
+                </a:solidFill>
+              </a:rPr>
+              <a:t>, </a:t>
+            </a:r>
+            <a:r>
+              <a:rPr lang="es-ES" b="1" dirty="0" err="1">
+                <a:solidFill>
+                  <a:srgbClr val="FF0000"/>
+                </a:solidFill>
+              </a:rPr>
+              <a:t>Gender</a:t>
+            </a:r>
+            <a:r>
+              <a:rPr lang="es-ES" b="1" dirty="0">
+                <a:solidFill>
+                  <a:srgbClr val="FF0000"/>
+                </a:solidFill>
+              </a:rPr>
+              <a:t> e </a:t>
+            </a:r>
+            <a:r>
+              <a:rPr lang="es-ES" b="1" dirty="0" err="1">
+                <a:solidFill>
+                  <a:srgbClr val="FF0000"/>
+                </a:solidFill>
+              </a:rPr>
+              <a:t>IsAcativeMember</a:t>
+            </a:r>
+            <a:r>
+              <a:rPr lang="es-ES" dirty="0">
+                <a:solidFill>
+                  <a:srgbClr val="FF0000"/>
+                </a:solidFill>
+              </a:rPr>
+              <a:t>.</a:t>
+            </a:r>
+            <a:r>
+              <a:rPr lang="es-ES" sz="1200" dirty="0"/>
+              <a:t> La columna gris es diferente para las categorías dentro de cada variable. Habrá que </a:t>
+            </a:r>
+            <a:r>
+              <a:rPr lang="es-ES" sz="1200" dirty="0" err="1"/>
+              <a:t>corrovorar</a:t>
+            </a:r>
+            <a:r>
+              <a:rPr lang="es-ES" sz="1200" dirty="0"/>
+              <a:t> esto mediante </a:t>
+            </a:r>
+            <a:r>
+              <a:rPr lang="es-ES" sz="1200" dirty="0" err="1"/>
+              <a:t>tests</a:t>
+            </a:r>
+            <a:r>
+              <a:rPr lang="es-ES" sz="1200" dirty="0"/>
+              <a:t> estadísticos.</a:t>
+            </a:r>
+          </a:p>
+          <a:p>
+            <a:endParaRPr lang="es-ES" sz="1200" dirty="0"/>
+          </a:p>
+        </p:txBody>
+      </p:sp>
       <p:pic>
         <p:nvPicPr>
-          <p:cNvPr id="6" name="Imagen 5">
+          <p:cNvPr id="5" name="Imagen 4">
             <a:extLst>
               <a:ext uri="{FF2B5EF4-FFF2-40B4-BE49-F238E27FC236}">
-                <a16:creationId xmlns:a16="http://schemas.microsoft.com/office/drawing/2014/main" id="{C419C444-B510-41D1-18DA-A0EDA21E4FC5}"/>
+                <a16:creationId xmlns:a16="http://schemas.microsoft.com/office/drawing/2014/main" id="{545816A6-BAB6-B237-F022-CC94193D0CFE}"/>
               </a:ext>
             </a:extLst>
           </p:cNvPr>
@@ -16815,8 +17281,8 @@
         </p:blipFill>
         <p:spPr>
           <a:xfrm>
-            <a:off x="860608" y="4046709"/>
-            <a:ext cx="3496237" cy="1114581"/>
+            <a:off x="302361" y="3053286"/>
+            <a:ext cx="1804845" cy="964034"/>
           </a:xfrm>
           <a:prstGeom prst="rect">
             <a:avLst/>
@@ -16825,10 +17291,10 @@
       </p:pic>
       <p:pic>
         <p:nvPicPr>
-          <p:cNvPr id="8" name="Imagen 7">
+          <p:cNvPr id="10" name="Imagen 9">
             <a:extLst>
               <a:ext uri="{FF2B5EF4-FFF2-40B4-BE49-F238E27FC236}">
-                <a16:creationId xmlns:a16="http://schemas.microsoft.com/office/drawing/2014/main" id="{F191712F-AF11-545F-6745-913AE7E68860}"/>
+                <a16:creationId xmlns:a16="http://schemas.microsoft.com/office/drawing/2014/main" id="{031CE931-26BD-9490-4D12-F480EFE60CB0}"/>
               </a:ext>
             </a:extLst>
           </p:cNvPr>
@@ -16845,132 +17311,20 @@
         </p:blipFill>
         <p:spPr>
           <a:xfrm>
-            <a:off x="913040" y="3122220"/>
-            <a:ext cx="1695687" cy="952633"/>
+            <a:off x="2411940" y="3070352"/>
+            <a:ext cx="1653298" cy="860097"/>
           </a:xfrm>
           <a:prstGeom prst="rect">
             <a:avLst/>
           </a:prstGeom>
         </p:spPr>
       </p:pic>
-      <p:sp>
-        <p:nvSpPr>
-          <p:cNvPr id="9" name="CuadroTexto 8">
+      <p:pic>
+        <p:nvPicPr>
+          <p:cNvPr id="14" name="Imagen 13">
             <a:extLst>
               <a:ext uri="{FF2B5EF4-FFF2-40B4-BE49-F238E27FC236}">
-                <a16:creationId xmlns:a16="http://schemas.microsoft.com/office/drawing/2014/main" id="{DF775A01-8C66-64FB-3CC2-F9073BE005FF}"/>
-              </a:ext>
-            </a:extLst>
-          </p:cNvPr>
-          <p:cNvSpPr txBox="1"/>
-          <p:nvPr/>
-        </p:nvSpPr>
-        <p:spPr>
-          <a:xfrm>
-            <a:off x="4572000" y="3053286"/>
-            <a:ext cx="3948056" cy="1754326"/>
-          </a:xfrm>
-          <a:prstGeom prst="rect">
-            <a:avLst/>
-          </a:prstGeom>
-          <a:noFill/>
-        </p:spPr>
-        <p:txBody>
-          <a:bodyPr wrap="square" rtlCol="0">
-            <a:spAutoFit/>
-          </a:bodyPr>
-          <a:lstStyle/>
-          <a:p>
-            <a:r>
-              <a:rPr lang="es-ES" sz="1200" dirty="0"/>
-              <a:t>Respecto a un </a:t>
-            </a:r>
-            <a:r>
-              <a:rPr lang="es-ES" sz="1200" b="1" dirty="0"/>
-              <a:t>análisis bivariante </a:t>
-            </a:r>
-            <a:r>
-              <a:rPr lang="es-ES" sz="1200" dirty="0"/>
-              <a:t>de </a:t>
-            </a:r>
-            <a:r>
-              <a:rPr lang="es-ES" sz="1200" dirty="0" err="1"/>
-              <a:t>Exited</a:t>
-            </a:r>
-            <a:r>
-              <a:rPr lang="es-ES" sz="1200" dirty="0"/>
-              <a:t> con las categóricas, únicamente se ha encontrado diferencias proporcionales en las variables </a:t>
-            </a:r>
-            <a:r>
-              <a:rPr lang="es-ES" sz="1200" b="1" dirty="0" err="1"/>
-              <a:t>Geography</a:t>
-            </a:r>
-            <a:r>
-              <a:rPr lang="es-ES" sz="1200" b="1" dirty="0"/>
-              <a:t>, </a:t>
-            </a:r>
-            <a:r>
-              <a:rPr lang="es-ES" sz="1200" b="1" dirty="0" err="1"/>
-              <a:t>Gender</a:t>
-            </a:r>
-            <a:r>
-              <a:rPr lang="es-ES" sz="1200" b="1" dirty="0"/>
-              <a:t> e </a:t>
-            </a:r>
-            <a:r>
-              <a:rPr lang="es-ES" sz="1200" b="1" dirty="0" err="1"/>
-              <a:t>IsAcativeMember</a:t>
-            </a:r>
-            <a:r>
-              <a:rPr lang="es-ES" sz="1200" dirty="0"/>
-              <a:t>. La columna gris es diferente para las categorías dentro de cada variable. Habrá que </a:t>
-            </a:r>
-            <a:r>
-              <a:rPr lang="es-ES" sz="1200" dirty="0" err="1"/>
-              <a:t>corrovorar</a:t>
-            </a:r>
-            <a:r>
-              <a:rPr lang="es-ES" sz="1200" dirty="0"/>
-              <a:t> esto mediante </a:t>
-            </a:r>
-            <a:r>
-              <a:rPr lang="es-ES" sz="1200" dirty="0" err="1"/>
-              <a:t>tests</a:t>
-            </a:r>
-            <a:r>
-              <a:rPr lang="es-ES" sz="1200" dirty="0"/>
-              <a:t> estadísticos.</a:t>
-            </a:r>
-          </a:p>
-          <a:p>
-            <a:endParaRPr lang="es-ES" sz="1200" dirty="0"/>
-          </a:p>
-          <a:p>
-            <a:r>
-              <a:rPr lang="es-ES" sz="1200" dirty="0"/>
-              <a:t>Invirtiendo los ejes del histograma de </a:t>
-            </a:r>
-            <a:r>
-              <a:rPr lang="es-ES" sz="1200" b="1" i="1" dirty="0" err="1"/>
-              <a:t>Geography-Exited</a:t>
-            </a:r>
-            <a:r>
-              <a:rPr lang="es-ES" sz="1200" b="1" i="1" dirty="0"/>
-              <a:t> </a:t>
-            </a:r>
-            <a:r>
-              <a:rPr lang="es-ES" sz="1200" dirty="0"/>
-              <a:t>se observa más claramente la relación.</a:t>
-            </a:r>
-          </a:p>
-        </p:txBody>
-      </p:sp>
-      <p:pic>
-        <p:nvPicPr>
-          <p:cNvPr id="11" name="Imagen 10">
-            <a:extLst>
-              <a:ext uri="{FF2B5EF4-FFF2-40B4-BE49-F238E27FC236}">
-                <a16:creationId xmlns:a16="http://schemas.microsoft.com/office/drawing/2014/main" id="{69979F9F-1699-FEEA-4104-C18227B154EA}"/>
+                <a16:creationId xmlns:a16="http://schemas.microsoft.com/office/drawing/2014/main" id="{70EF435C-F3CC-8757-56C1-558E3CDEE0BA}"/>
               </a:ext>
             </a:extLst>
           </p:cNvPr>
@@ -16987,38 +17341,8 @@
         </p:blipFill>
         <p:spPr>
           <a:xfrm>
-            <a:off x="2545491" y="4046709"/>
-            <a:ext cx="1706492" cy="1019914"/>
-          </a:xfrm>
-          <a:prstGeom prst="rect">
-            <a:avLst/>
-          </a:prstGeom>
-        </p:spPr>
-      </p:pic>
-      <p:pic>
-        <p:nvPicPr>
-          <p:cNvPr id="13" name="Imagen 12">
-            <a:extLst>
-              <a:ext uri="{FF2B5EF4-FFF2-40B4-BE49-F238E27FC236}">
-                <a16:creationId xmlns:a16="http://schemas.microsoft.com/office/drawing/2014/main" id="{B57E5F5A-38EB-81A4-5B57-E486F1B32098}"/>
-              </a:ext>
-            </a:extLst>
-          </p:cNvPr>
-          <p:cNvPicPr>
-            <a:picLocks noChangeAspect="1"/>
-          </p:cNvPicPr>
-          <p:nvPr/>
-        </p:nvPicPr>
-        <p:blipFill>
-          <a:blip r:embed="rId7"/>
-          <a:stretch>
-            <a:fillRect/>
-          </a:stretch>
-        </p:blipFill>
-        <p:spPr>
-          <a:xfrm>
-            <a:off x="2552000" y="3122220"/>
-            <a:ext cx="1804845" cy="1017824"/>
+            <a:off x="1381045" y="4017320"/>
+            <a:ext cx="1857544" cy="981992"/>
           </a:xfrm>
           <a:prstGeom prst="rect">
             <a:avLst/>
@@ -17135,8 +17459,8 @@
         </p:blipFill>
         <p:spPr>
           <a:xfrm>
-            <a:off x="720000" y="1360783"/>
-            <a:ext cx="2045586" cy="1414690"/>
+            <a:off x="475842" y="1360783"/>
+            <a:ext cx="2472872" cy="1710193"/>
           </a:xfrm>
           <a:prstGeom prst="rect">
             <a:avLst/>
@@ -17165,8 +17489,8 @@
         </p:blipFill>
         <p:spPr>
           <a:xfrm>
-            <a:off x="3521515" y="1360783"/>
-            <a:ext cx="2100969" cy="1414690"/>
+            <a:off x="3149613" y="1360783"/>
+            <a:ext cx="2539822" cy="1710192"/>
           </a:xfrm>
           <a:prstGeom prst="rect">
             <a:avLst/>
@@ -17187,8 +17511,8 @@
         </p:nvSpPr>
         <p:spPr>
           <a:xfrm>
-            <a:off x="6013525" y="1360783"/>
-            <a:ext cx="2689411" cy="1384995"/>
+            <a:off x="6013526" y="1360783"/>
+            <a:ext cx="2539822" cy="1384995"/>
           </a:xfrm>
           <a:prstGeom prst="rect">
             <a:avLst/>
@@ -17201,6 +17525,7 @@
           </a:bodyPr>
           <a:lstStyle/>
           <a:p>
+            <a:pPr algn="just"/>
             <a:r>
               <a:rPr lang="es-ES" dirty="0"/>
               <a:t>Estos </a:t>
@@ -17328,6 +17653,7 @@
           </a:bodyPr>
           <a:lstStyle/>
           <a:p>
+            <a:pPr algn="just"/>
             <a:r>
               <a:rPr lang="es-ES" dirty="0"/>
               <a:t>Estos son algunos ejemplos de relaciones de variables que solo pueden ser explicados desde la </a:t>
@@ -17468,7 +17794,7 @@
         <p:spPr>
           <a:xfrm>
             <a:off x="392653" y="757198"/>
-            <a:ext cx="8358693" cy="1692771"/>
+            <a:ext cx="8358693" cy="1554272"/>
           </a:xfrm>
           <a:prstGeom prst="rect">
             <a:avLst/>
@@ -17484,12 +17810,16 @@
             <a:pPr algn="just"/>
             <a:r>
               <a:rPr lang="es-ES" sz="1100" dirty="0"/>
-              <a:t>Un primer análisis exploratorio de los NA evidenció que todas las variables (excepto ID) tenían un 30% de valores faltantes, y un test de MCAR nos permitió constatar que eran fruto de la aleatoriedad (pvalor~0.39).</a:t>
+              <a:t>El test de MCAR nos permitió constatar que eran </a:t>
+            </a:r>
+            <a:r>
+              <a:rPr lang="es-ES" sz="1200" b="1" dirty="0"/>
+              <a:t>fruto de la aleatoriedad (pvalor~0.39).</a:t>
             </a:r>
           </a:p>
           <a:p>
             <a:pPr algn="just"/>
-            <a:endParaRPr lang="es-ES" sz="1100" dirty="0"/>
+            <a:endParaRPr lang="es-ES" sz="1200" b="1" dirty="0"/>
           </a:p>
           <a:p>
             <a:pPr algn="just"/>
@@ -17695,6 +18025,7 @@
           </a:bodyPr>
           <a:lstStyle/>
           <a:p>
+            <a:pPr algn="just"/>
             <a:r>
               <a:rPr lang="es-ES" sz="1200" dirty="0"/>
               <a:t>A nivel univariante se detectó para algunas variables cierto número de </a:t>
@@ -17709,6 +18040,7 @@
             </a:r>
           </a:p>
           <a:p>
+            <a:pPr algn="just"/>
             <a:r>
               <a:rPr lang="es-ES" sz="1200" dirty="0"/>
               <a:t>Univariante numérica: </a:t>
@@ -17719,6 +18051,7 @@
             </a:r>
           </a:p>
           <a:p>
+            <a:pPr algn="just"/>
             <a:r>
               <a:rPr lang="es-ES" sz="1200" b="1" i="1" dirty="0"/>
               <a:t>variables no simétricas -&gt; </a:t>
@@ -17749,18 +18082,21 @@
             </a:r>
           </a:p>
           <a:p>
+            <a:pPr algn="just"/>
             <a:r>
               <a:rPr lang="es-ES" sz="1200" b="1" i="1" dirty="0"/>
               <a:t>Univariante categórica: frecuencias relativas</a:t>
             </a:r>
           </a:p>
           <a:p>
+            <a:pPr algn="just"/>
             <a:r>
               <a:rPr lang="es-ES" sz="1200" dirty="0"/>
               <a:t>- Su proporción respecto al total de la variable (&lt;5% en todos los casos)</a:t>
             </a:r>
           </a:p>
           <a:p>
+            <a:pPr algn="just"/>
             <a:r>
               <a:rPr lang="es-ES" sz="1200" dirty="0"/>
               <a:t>- Su valor (no había valores imposibles </a:t>
@@ -17775,9 +18111,11 @@
             </a:r>
           </a:p>
           <a:p>
+            <a:pPr algn="just"/>
             <a:endParaRPr lang="es-ES" sz="1200" dirty="0"/>
           </a:p>
           <a:p>
+            <a:pPr algn="just"/>
             <a:r>
               <a:rPr lang="es-ES" sz="1200" dirty="0"/>
               <a:t>A nivel multivariante: se utilizó </a:t>
@@ -17808,9 +18146,11 @@
             </a:r>
           </a:p>
           <a:p>
+            <a:pPr algn="just"/>
             <a:endParaRPr lang="es-ES" sz="1200" dirty="0"/>
           </a:p>
           <a:p>
+            <a:pPr algn="just"/>
             <a:r>
               <a:rPr lang="es-ES" sz="1200" dirty="0"/>
               <a:t>- La mayoría de las observaciones presentan distancias de </a:t>
@@ -17825,18 +18165,22 @@
             </a:r>
           </a:p>
           <a:p>
+            <a:pPr algn="just"/>
             <a:endParaRPr lang="es-ES" sz="1200" dirty="0"/>
           </a:p>
           <a:p>
+            <a:pPr algn="just"/>
             <a:r>
               <a:rPr lang="es-ES" sz="1200" dirty="0"/>
               <a:t>- Se detectaron unas pocas observaciones con distancias significativamente mayores, situadas en la cola derecha de la distribución. Corresponden a puntos de edad, salario estimado y balance. </a:t>
             </a:r>
           </a:p>
           <a:p>
+            <a:pPr algn="just"/>
             <a:endParaRPr lang="es-ES" sz="1200" dirty="0"/>
           </a:p>
           <a:p>
+            <a:pPr algn="just"/>
             <a:r>
               <a:rPr lang="es-ES" sz="1200" dirty="0"/>
               <a:t>Tras analizar las distribuciones y los valores extremos de dichas variables se concluye que no son valores imposibles, y que pueden haber aparecido fruto de la aleatoriedad. </a:t>
@@ -17855,12 +18199,15 @@
             </a:r>
           </a:p>
           <a:p>
+            <a:pPr algn="just"/>
             <a:endParaRPr lang="es-ES" sz="1200" dirty="0"/>
           </a:p>
           <a:p>
+            <a:pPr algn="just"/>
             <a:endParaRPr lang="es-ES" sz="1200" dirty="0"/>
           </a:p>
           <a:p>
+            <a:pPr algn="just"/>
             <a:endParaRPr lang="es-ES" sz="1200" dirty="0"/>
           </a:p>
           <a:p>
@@ -17882,8 +18229,8 @@
         </p:nvSpPr>
         <p:spPr>
           <a:xfrm>
-            <a:off x="704243" y="3923868"/>
-            <a:ext cx="8025967" cy="954107"/>
+            <a:off x="580912" y="4031873"/>
+            <a:ext cx="8025967" cy="738664"/>
           </a:xfrm>
           <a:prstGeom prst="rect">
             <a:avLst/>
@@ -17909,29 +18256,11 @@
           </a:bodyPr>
           <a:lstStyle/>
           <a:p>
+            <a:pPr algn="just"/>
             <a:r>
               <a:rPr lang="es-ES" dirty="0"/>
-              <a:t>Se realizó un estudio de </a:t>
-            </a:r>
-            <a:r>
-              <a:rPr lang="es-ES" dirty="0" err="1"/>
-              <a:t>outliers</a:t>
-            </a:r>
-            <a:r>
-              <a:rPr lang="es-ES" dirty="0"/>
-              <a:t> previo y posterior a la imputación, obteniendo los mismos resultados tanto a nivel univariante como multivariante, por lo que se decidió no tratar los </a:t>
-            </a:r>
-            <a:r>
-              <a:rPr lang="es-ES" dirty="0" err="1"/>
-              <a:t>outliers</a:t>
-            </a:r>
-            <a:r>
-              <a:rPr lang="es-ES" dirty="0"/>
-              <a:t> y aceptarlos como fruto de la normalidad</a:t>
-            </a:r>
-          </a:p>
-          <a:p>
-            <a:endParaRPr lang="es-ES" dirty="0"/>
+              <a:t>Se realizó un estudio de outliers previo y posterior a la imputación, obteniendo los mismos resultados tanto a nivel univariante como multivariante, por lo que se decidió no tratar los outliers y aceptarlos como fruto de la normalidad.</a:t>
+            </a:r>
           </a:p>
         </p:txBody>
       </p:sp>

--- a/Entrega_1/00 - REPORTE/REPORTE.pptx
+++ b/Entrega_1/00 - REPORTE/REPORTE.pptx
@@ -14551,11 +14551,19 @@
           <a:lstStyle/>
           <a:p>
             <a:r>
-              <a:rPr lang="es-ES" sz="1200" b="1" i="1" dirty="0"/>
+              <a:rPr lang="es-ES" sz="1200" b="1" i="1" dirty="0">
+                <a:solidFill>
+                  <a:schemeClr val="tx1"/>
+                </a:solidFill>
+              </a:rPr>
               <a:t>Variables declaradas previamente como significativas concuerdan con las que aparecen en las reglas más informativas: </a:t>
             </a:r>
             <a:r>
-              <a:rPr lang="es-ES" sz="1200" b="1" i="1" u="sng" dirty="0"/>
+              <a:rPr lang="es-ES" sz="1200" b="1" i="1" u="sng" dirty="0">
+                <a:solidFill>
+                  <a:schemeClr val="tx1"/>
+                </a:solidFill>
+              </a:rPr>
               <a:t>Validación de la significancia</a:t>
             </a:r>
           </a:p>

--- a/Entrega_1/00 - REPORTE/REPORTE.pptx
+++ b/Entrega_1/00 - REPORTE/REPORTE.pptx
@@ -13665,8 +13665,8 @@
           <p:nvPr/>
         </p:nvGraphicFramePr>
         <p:xfrm>
-          <a:off x="1100926" y="1515268"/>
-          <a:ext cx="4928870" cy="650240"/>
+          <a:off x="2107401" y="1515268"/>
+          <a:ext cx="4929099" cy="650274"/>
         </p:xfrm>
         <a:graphic>
           <a:graphicData uri="http://schemas.openxmlformats.org/drawingml/2006/table">
@@ -14317,7 +14317,7 @@
           <p:nvPr/>
         </p:nvGraphicFramePr>
         <p:xfrm>
-          <a:off x="1100926" y="2213469"/>
+          <a:off x="2107401" y="2213469"/>
           <a:ext cx="4929099" cy="466811"/>
         </p:xfrm>
         <a:graphic>
@@ -14773,6 +14773,10 @@
               <a:rPr lang="es-ES" sz="1200" dirty="0"/>
               <a:t>, el sobreajuste se mantuvo en la mayoría de los casos. SMOTE fue resultado ligeramente mejor que los demás</a:t>
             </a:r>
+            <a:r>
+              <a:rPr lang="en-US" altLang="es-ES" sz="1200" dirty="0"/>
+              <a:t>.</a:t>
+            </a:r>
             <a:endParaRPr lang="es-ES" sz="1200" dirty="0"/>
           </a:p>
           <a:p>
@@ -14786,33 +14790,31 @@
       </p:sp>
       <p:sp>
         <p:nvSpPr>
-          <p:cNvPr id="9" name="Flecha: hacia la izquierda 8"/>
+          <p:cNvPr id="11" name="Flecha: hacia la izquierda 10"/>
           <p:cNvSpPr/>
           <p:nvPr/>
         </p:nvSpPr>
         <p:spPr>
-          <a:xfrm rot="20806772">
-            <a:off x="6277610" y="1265555"/>
-            <a:ext cx="1558925" cy="423545"/>
+          <a:xfrm>
+            <a:off x="515620" y="1868805"/>
+            <a:ext cx="1393825" cy="297815"/>
           </a:xfrm>
-          <a:prstGeom prst="leftArrow">
+          <a:prstGeom prst="rightArrow">
             <a:avLst/>
           </a:prstGeom>
         </p:spPr>
         <p:style>
-          <a:lnRef idx="2">
-            <a:schemeClr val="accent1">
-              <a:shade val="15000"/>
-            </a:schemeClr>
+          <a:lnRef idx="1">
+            <a:schemeClr val="dk1"/>
           </a:lnRef>
-          <a:fillRef idx="1">
-            <a:schemeClr val="accent1"/>
+          <a:fillRef idx="2">
+            <a:schemeClr val="dk1"/>
           </a:fillRef>
-          <a:effectRef idx="0">
-            <a:schemeClr val="accent1"/>
+          <a:effectRef idx="1">
+            <a:schemeClr val="dk1"/>
           </a:effectRef>
           <a:fontRef idx="minor">
-            <a:schemeClr val="lt1"/>
+            <a:schemeClr val="dk1"/>
           </a:fontRef>
         </p:style>
         <p:txBody>
@@ -14821,14 +14823,10 @@
           <a:p>
             <a:pPr algn="ctr"/>
             <a:r>
-              <a:rPr lang="ca-ES" sz="1200" dirty="0"/>
-              <a:t>No </a:t>
-            </a:r>
-            <a:r>
-              <a:rPr lang="ca-ES" sz="1200" dirty="0" err="1"/>
-              <a:t>overfitting</a:t>
-            </a:r>
-            <a:endParaRPr lang="ca-ES" sz="1200" dirty="0" err="1"/>
+              <a:rPr lang="ca-ES" sz="900" dirty="0"/>
+              <a:t>CROSS VALIDATION</a:t>
+            </a:r>
+            <a:endParaRPr lang="ca-ES" sz="900" dirty="0"/>
           </a:p>
         </p:txBody>
       </p:sp>
@@ -14840,8 +14838,175 @@
         </p:nvSpPr>
         <p:spPr>
           <a:xfrm>
-            <a:off x="6272530" y="1702435"/>
-            <a:ext cx="1764030" cy="386080"/>
+            <a:off x="546100" y="1651000"/>
+            <a:ext cx="1363345" cy="303530"/>
+          </a:xfrm>
+          <a:prstGeom prst="rightArrow">
+            <a:avLst/>
+          </a:prstGeom>
+        </p:spPr>
+        <p:style>
+          <a:lnRef idx="1">
+            <a:schemeClr val="accent2"/>
+          </a:lnRef>
+          <a:fillRef idx="3">
+            <a:schemeClr val="accent2"/>
+          </a:fillRef>
+          <a:effectRef idx="2">
+            <a:schemeClr val="accent2"/>
+          </a:effectRef>
+          <a:fontRef idx="minor">
+            <a:schemeClr val="lt1"/>
+          </a:fontRef>
+        </p:style>
+        <p:txBody>
+          <a:bodyPr rtlCol="0" anchor="ctr"/>
+          <a:lstStyle/>
+          <a:p>
+            <a:pPr algn="ctr"/>
+            <a:r>
+              <a:rPr lang="ca-ES" sz="900" dirty="0" err="1">
+                <a:solidFill>
+                  <a:srgbClr val="FF0000"/>
+                </a:solidFill>
+              </a:rPr>
+              <a:t>Bad</a:t>
+            </a:r>
+            <a:r>
+              <a:rPr lang="ca-ES" sz="900" dirty="0">
+                <a:solidFill>
+                  <a:srgbClr val="FF0000"/>
+                </a:solidFill>
+              </a:rPr>
+              <a:t> </a:t>
+            </a:r>
+            <a:r>
+              <a:rPr lang="ca-ES" sz="900" dirty="0" err="1">
+                <a:solidFill>
+                  <a:srgbClr val="FF0000"/>
+                </a:solidFill>
+              </a:rPr>
+              <a:t>results</a:t>
+            </a:r>
+            <a:r>
+              <a:rPr lang="en-US" altLang="ca-ES" sz="900" dirty="0" err="1">
+                <a:solidFill>
+                  <a:srgbClr val="FF0000"/>
+                </a:solidFill>
+              </a:rPr>
+              <a:t> </a:t>
+            </a:r>
+            <a:r>
+              <a:rPr lang="ca-ES" sz="900" dirty="0">
+                <a:solidFill>
+                  <a:srgbClr val="FF0000"/>
+                </a:solidFill>
+              </a:rPr>
+              <a:t>F1&lt;0,5</a:t>
+            </a:r>
+            <a:endParaRPr lang="ca-ES" sz="900" dirty="0">
+              <a:solidFill>
+                <a:srgbClr val="FF0000"/>
+              </a:solidFill>
+            </a:endParaRPr>
+          </a:p>
+        </p:txBody>
+      </p:sp>
+      <p:sp>
+        <p:nvSpPr>
+          <p:cNvPr id="2" name="右箭头 1"/>
+          <p:cNvSpPr/>
+          <p:nvPr/>
+        </p:nvSpPr>
+        <p:spPr>
+          <a:xfrm>
+            <a:off x="843280" y="1438910"/>
+            <a:ext cx="1066165" cy="297815"/>
+          </a:xfrm>
+          <a:prstGeom prst="rightArrow">
+            <a:avLst/>
+          </a:prstGeom>
+        </p:spPr>
+        <p:style>
+          <a:lnRef idx="2">
+            <a:schemeClr val="accent1">
+              <a:lumMod val="75000"/>
+            </a:schemeClr>
+          </a:lnRef>
+          <a:fillRef idx="1">
+            <a:schemeClr val="accent1"/>
+          </a:fillRef>
+          <a:effectRef idx="0">
+            <a:srgbClr val="FFFFFF"/>
+          </a:effectRef>
+          <a:fontRef idx="minor">
+            <a:schemeClr val="lt1"/>
+          </a:fontRef>
+        </p:style>
+        <p:txBody>
+          <a:bodyPr rtlCol="0" anchor="ctr"/>
+          <a:p>
+            <a:pPr algn="ctr"/>
+            <a:r>
+              <a:rPr lang="en-US" altLang="zh-CN" sz="1000"/>
+              <a:t>No Overfittin</a:t>
+            </a:r>
+            <a:endParaRPr lang="en-US" altLang="zh-CN" sz="1000"/>
+          </a:p>
+        </p:txBody>
+      </p:sp>
+      <p:sp>
+        <p:nvSpPr>
+          <p:cNvPr id="12" name="Flecha: hacia la izquierda 10"/>
+          <p:cNvSpPr/>
+          <p:nvPr/>
+        </p:nvSpPr>
+        <p:spPr>
+          <a:xfrm>
+            <a:off x="7205980" y="2571750"/>
+            <a:ext cx="1393825" cy="297815"/>
+          </a:xfrm>
+          <a:prstGeom prst="leftArrow">
+            <a:avLst/>
+          </a:prstGeom>
+        </p:spPr>
+        <p:style>
+          <a:lnRef idx="1">
+            <a:schemeClr val="dk1"/>
+          </a:lnRef>
+          <a:fillRef idx="2">
+            <a:schemeClr val="dk1"/>
+          </a:fillRef>
+          <a:effectRef idx="1">
+            <a:schemeClr val="dk1"/>
+          </a:effectRef>
+          <a:fontRef idx="minor">
+            <a:schemeClr val="dk1"/>
+          </a:fontRef>
+        </p:style>
+        <p:txBody>
+          <a:bodyPr rtlCol="0" anchor="ctr"/>
+          <a:lstStyle/>
+          <a:p>
+            <a:pPr algn="ctr"/>
+            <a:r>
+              <a:rPr lang="ca-ES" sz="900" dirty="0"/>
+              <a:t>CROSS VALIDATION</a:t>
+            </a:r>
+            <a:endParaRPr lang="ca-ES" sz="900" dirty="0"/>
+          </a:p>
+        </p:txBody>
+      </p:sp>
+      <p:sp>
+        <p:nvSpPr>
+          <p:cNvPr id="13" name="Flecha: hacia la izquierda 9"/>
+          <p:cNvSpPr/>
+          <p:nvPr/>
+        </p:nvSpPr>
+        <p:spPr>
+          <a:xfrm>
+            <a:off x="7205980" y="2353945"/>
+            <a:ext cx="1363345" cy="303530"/>
           </a:xfrm>
           <a:prstGeom prst="leftArrow">
             <a:avLst/>
@@ -14867,7 +15032,7 @@
           <a:p>
             <a:pPr algn="ctr"/>
             <a:r>
-              <a:rPr lang="ca-ES" sz="1200" dirty="0" err="1">
+              <a:rPr lang="ca-ES" sz="900" dirty="0" err="1">
                 <a:solidFill>
                   <a:srgbClr val="FF0000"/>
                 </a:solidFill>
@@ -14875,7 +15040,7 @@
               <a:t>Bad</a:t>
             </a:r>
             <a:r>
-              <a:rPr lang="ca-ES" sz="1200" dirty="0">
+              <a:rPr lang="ca-ES" sz="900" dirty="0">
                 <a:solidFill>
                   <a:srgbClr val="FF0000"/>
                 </a:solidFill>
@@ -14883,7 +15048,7 @@
               <a:t> </a:t>
             </a:r>
             <a:r>
-              <a:rPr lang="ca-ES" sz="1200" dirty="0" err="1">
+              <a:rPr lang="ca-ES" sz="900" dirty="0" err="1">
                 <a:solidFill>
                   <a:srgbClr val="FF0000"/>
                 </a:solidFill>
@@ -14891,14 +15056,46 @@
               <a:t>results</a:t>
             </a:r>
             <a:r>
-              <a:rPr lang="ca-ES" sz="1200" dirty="0">
+              <a:rPr lang="en-US" altLang="ca-ES" sz="900" dirty="0" err="1">
                 <a:solidFill>
                   <a:srgbClr val="FF0000"/>
                 </a:solidFill>
               </a:rPr>
-              <a:t> F1&lt;0,5</a:t>
-            </a:r>
-            <a:endParaRPr lang="ca-ES" sz="1200" dirty="0">
+              <a:t> </a:t>
+            </a:r>
+            <a:r>
+              <a:rPr lang="ca-ES" sz="900" dirty="0">
+                <a:solidFill>
+                  <a:srgbClr val="FF0000"/>
+                </a:solidFill>
+              </a:rPr>
+              <a:t>F1</a:t>
+            </a:r>
+            <a:r>
+              <a:rPr lang="en-US" altLang="ca-ES" sz="900" dirty="0">
+                <a:solidFill>
+                  <a:srgbClr val="FF0000"/>
+                </a:solidFill>
+              </a:rPr>
+              <a:t> </a:t>
+            </a:r>
+            <a:r>
+              <a:rPr lang="en-US" altLang="zh-CN" sz="900" dirty="0">
+                <a:solidFill>
+                  <a:srgbClr val="FF0000"/>
+                </a:solidFill>
+              </a:rPr>
+              <a:t>≈ </a:t>
+            </a:r>
+            <a:r>
+              <a:rPr lang="ca-ES" sz="900" dirty="0">
+                <a:solidFill>
+                  <a:srgbClr val="FF0000"/>
+                </a:solidFill>
+              </a:rPr>
+              <a:t>0,5</a:t>
+            </a:r>
+            <a:endParaRPr lang="ca-ES" sz="900" dirty="0">
               <a:solidFill>
                 <a:srgbClr val="FF0000"/>
               </a:solidFill>
@@ -14908,56 +15105,14 @@
       </p:sp>
       <p:sp>
         <p:nvSpPr>
-          <p:cNvPr id="11" name="Flecha: hacia la izquierda 10"/>
+          <p:cNvPr id="14" name="左箭头 13"/>
           <p:cNvSpPr/>
           <p:nvPr/>
         </p:nvSpPr>
         <p:spPr>
           <a:xfrm>
-            <a:off x="6272530" y="2116455"/>
-            <a:ext cx="1743075" cy="441325"/>
-          </a:xfrm>
-          <a:prstGeom prst="leftArrow">
-            <a:avLst/>
-          </a:prstGeom>
-        </p:spPr>
-        <p:style>
-          <a:lnRef idx="1">
-            <a:schemeClr val="dk1"/>
-          </a:lnRef>
-          <a:fillRef idx="2">
-            <a:schemeClr val="dk1"/>
-          </a:fillRef>
-          <a:effectRef idx="1">
-            <a:schemeClr val="dk1"/>
-          </a:effectRef>
-          <a:fontRef idx="minor">
-            <a:schemeClr val="dk1"/>
-          </a:fontRef>
-        </p:style>
-        <p:txBody>
-          <a:bodyPr rtlCol="0" anchor="ctr"/>
-          <a:lstStyle/>
-          <a:p>
-            <a:pPr algn="ctr"/>
-            <a:r>
-              <a:rPr lang="ca-ES" sz="1000" dirty="0"/>
-              <a:t>CROSS VALIDATION</a:t>
-            </a:r>
-            <a:endParaRPr lang="ca-ES" sz="1000" dirty="0"/>
-          </a:p>
-        </p:txBody>
-      </p:sp>
-      <p:sp>
-        <p:nvSpPr>
-          <p:cNvPr id="18" name="Flecha: hacia la izquierda 8"/>
-          <p:cNvSpPr/>
-          <p:nvPr/>
-        </p:nvSpPr>
-        <p:spPr>
-          <a:xfrm rot="346772">
-            <a:off x="6289040" y="2626995"/>
-            <a:ext cx="1411605" cy="398780"/>
+            <a:off x="7205980" y="2141855"/>
+            <a:ext cx="1066165" cy="297815"/>
           </a:xfrm>
           <a:prstGeom prst="leftArrow">
             <a:avLst/>
@@ -14966,14 +15121,14 @@
         <p:style>
           <a:lnRef idx="2">
             <a:schemeClr val="accent1">
-              <a:shade val="15000"/>
+              <a:lumMod val="75000"/>
             </a:schemeClr>
           </a:lnRef>
           <a:fillRef idx="1">
             <a:schemeClr val="accent1"/>
           </a:fillRef>
           <a:effectRef idx="0">
-            <a:schemeClr val="accent1"/>
+            <a:srgbClr val="FFFFFF"/>
           </a:effectRef>
           <a:fontRef idx="minor">
             <a:schemeClr val="lt1"/>
@@ -14981,26 +15136,13 @@
         </p:style>
         <p:txBody>
           <a:bodyPr rtlCol="0" anchor="ctr"/>
-          <a:lstStyle/>
           <a:p>
             <a:pPr algn="ctr"/>
             <a:r>
-              <a:rPr lang="en-US" altLang="ca-ES" sz="1200" dirty="0" err="1"/>
-              <a:t>O</a:t>
-            </a:r>
-            <a:r>
-              <a:rPr lang="ca-ES" sz="1200" dirty="0" err="1"/>
-              <a:t>v</a:t>
-            </a:r>
-            <a:r>
-              <a:rPr lang="en-US" altLang="ca-ES" sz="1200" dirty="0" err="1"/>
-              <a:t>e</a:t>
-            </a:r>
-            <a:r>
-              <a:rPr lang="ca-ES" sz="1200" dirty="0" err="1"/>
-              <a:t>rfitting</a:t>
-            </a:r>
-            <a:endParaRPr lang="ca-ES" sz="1200" dirty="0" err="1"/>
+              <a:rPr lang="en-US" altLang="zh-CN" sz="1000"/>
+              <a:t>Overfittin</a:t>
+            </a:r>
+            <a:endParaRPr lang="en-US" altLang="zh-CN" sz="1000"/>
           </a:p>
         </p:txBody>
       </p:sp>

--- a/Entrega_1/00 - REPORTE/REPORTE.pptx
+++ b/Entrega_1/00 - REPORTE/REPORTE.pptx
@@ -13447,7 +13447,7 @@
         <p:spPr>
           <a:xfrm>
             <a:off x="1027299" y="1112200"/>
-            <a:ext cx="7089401" cy="2985433"/>
+            <a:ext cx="7089401" cy="3169285"/>
           </a:xfrm>
           <a:prstGeom prst="rect">
             <a:avLst/>
@@ -13501,6 +13501,14 @@
               <a:rPr lang="es-ES" sz="1200" dirty="0" err="1"/>
               <a:t>under-sampling</a:t>
             </a:r>
+            <a:r>
+              <a:rPr lang="en-US" altLang="es-ES" sz="1200" dirty="0" err="1"/>
+              <a:t>, SMOTE</a:t>
+            </a:r>
+            <a:endParaRPr lang="en-US" altLang="es-ES" sz="1200" dirty="0" err="1"/>
+          </a:p>
+          <a:p>
+            <a:pPr algn="just"/>
             <a:r>
               <a:rPr lang="es-ES" sz="1200" dirty="0"/>
               <a:t> y ROSE. Los resultados obtenidos </a:t>
@@ -15141,6 +15149,10 @@
             <a:r>
               <a:rPr lang="en-US" altLang="zh-CN" sz="1000"/>
               <a:t>Overfittin</a:t>
+            </a:r>
+            <a:r>
+              <a:rPr lang="en-US" altLang="zh-CN" sz="1000"/>
+              <a:t>g</a:t>
             </a:r>
             <a:endParaRPr lang="en-US" altLang="zh-CN" sz="1000"/>
           </a:p>

--- a/Entrega_1/00 - REPORTE/REPORTE.pptx
+++ b/Entrega_1/00 - REPORTE/REPORTE.pptx
@@ -14714,7 +14714,7 @@
         <p:spPr>
           <a:xfrm>
             <a:off x="880455" y="2952269"/>
-            <a:ext cx="7726804" cy="1630045"/>
+            <a:ext cx="7726804" cy="1445260"/>
           </a:xfrm>
           <a:prstGeom prst="rect">
             <a:avLst/>
@@ -14770,27 +14770,47 @@
           </a:p>
           <a:p>
             <a:r>
-              <a:rPr lang="es-ES" sz="1200" dirty="0"/>
-              <a:t>Se entrenó KNN con los datasets balanceados (Over-sampling/Under-sampling/SMOTE/ROSE) </a:t>
-            </a:r>
-            <a:r>
               <a:rPr lang="en-US" altLang="zh-CN" sz="1200" dirty="0"/>
-              <a:t>y transformados mediante FAMD</a:t>
-            </a:r>
-            <a:r>
-              <a:rPr lang="es-ES" sz="1200" dirty="0"/>
-              <a:t>, el sobreajuste se mantuvo en la mayoría de los casos. SMOTE fue resultado ligeramente mejor que los demás</a:t>
-            </a:r>
-            <a:r>
-              <a:rPr lang="en-US" altLang="es-ES" sz="1200" dirty="0"/>
+              <a:t>Con F1 en TEST como criterio, Naive Bayes (≈0,446) rinde mejor que KNN (≈0,416)</a:t>
+            </a:r>
+            <a:r>
+              <a:rPr lang="es-ES" altLang="zh-CN" sz="1200" dirty="0"/>
               <a:t>.</a:t>
             </a:r>
-            <a:endParaRPr lang="es-ES" sz="1200" dirty="0"/>
+            <a:r>
+              <a:rPr lang="en-US" altLang="zh-CN" sz="1200" dirty="0"/>
+              <a:t> KNN presenta </a:t>
+            </a:r>
+            <a:r>
+              <a:rPr lang="es-ES" altLang="en-US" sz="1200" dirty="0"/>
+              <a:t>una brecah de </a:t>
+            </a:r>
+            <a:r>
+              <a:rPr lang="en-US" altLang="zh-CN" sz="1200" dirty="0"/>
+              <a:t>train-test </a:t>
+            </a:r>
+            <a:r>
+              <a:rPr lang="es-ES" altLang="en-US" sz="1200" dirty="0"/>
+              <a:t>indicando el</a:t>
+            </a:r>
+            <a:r>
+              <a:rPr lang="en-US" altLang="zh-CN" sz="1200" dirty="0"/>
+              <a:t> sobreajuste, mientras que NB es m</a:t>
+            </a:r>
+            <a:r>
+              <a:rPr lang="en-US" altLang="en-US" sz="1200" dirty="0"/>
+              <a:t>á</a:t>
+            </a:r>
+            <a:r>
+              <a:rPr lang="en-US" altLang="zh-CN" sz="1200" dirty="0"/>
+              <a:t>s estable. </a:t>
+            </a:r>
+            <a:endParaRPr lang="en-US" altLang="zh-CN" sz="1200" dirty="0"/>
           </a:p>
           <a:p>
             <a:r>
               <a:rPr lang="es-ES" sz="1200" i="1" dirty="0"/>
-              <a:t>Excel donde contiene todas las modelaciones</a:t>
+              <a:t>Excel contiene todas las modelaciones.</a:t>
             </a:r>
             <a:endParaRPr lang="ca-ES" sz="1200" i="1" dirty="0"/>
           </a:p>
